--- a/report/탐구진행도.pptx
+++ b/report/탐구진행도.pptx
@@ -6,6 +6,8 @@
   </p:sldMasterIdLst>
   <p:sldIdLst>
     <p:sldId id="256" r:id="rId2"/>
+    <p:sldId id="257" r:id="rId3"/>
+    <p:sldId id="258" r:id="rId4"/>
   </p:sldIdLst>
   <p:sldSz cx="6858000" cy="9906000" type="A4"/>
   <p:notesSz cx="6858000" cy="9144000"/>
@@ -104,7 +106,608 @@
       </a:defRPr>
     </a:lvl9pPr>
   </p:defaultTextStyle>
+  <p:extLst>
+    <p:ext uri="{EFAFB233-063F-42B5-8137-9DF3F51BA10A}">
+      <p15:sldGuideLst xmlns:p15="http://schemas.microsoft.com/office/powerpoint/2012/main"/>
+    </p:ext>
+  </p:extLst>
 </p:presentation>
+</file>
+
+<file path=ppt/revisionInfo.xml><?xml version="1.0" encoding="utf-8"?>
+<p1510:revInfo xmlns:a="http://schemas.openxmlformats.org/drawingml/2006/main" xmlns:r="http://schemas.openxmlformats.org/officeDocument/2006/relationships" xmlns:p1510="http://schemas.microsoft.com/office/powerpoint/2015/10/main">
+  <p1510:revLst>
+    <p1510:client id="{738A5BA9-5125-45CC-A49B-89362E457F61}" v="21" dt="2023-08-03T08:59:45.137"/>
+  </p1510:revLst>
+</p1510:revInfo>
+</file>
+
+<file path=ppt/changesInfos/changesInfo1.xml><?xml version="1.0" encoding="utf-8"?>
+<pc:chgInfo xmlns:a="http://schemas.openxmlformats.org/drawingml/2006/main" xmlns:r="http://schemas.openxmlformats.org/officeDocument/2006/relationships" xmlns:ac="http://schemas.microsoft.com/office/drawing/2013/main/command" xmlns:pc="http://schemas.microsoft.com/office/powerpoint/2013/main/command">
+  <pc:docChgLst>
+    <pc:chgData name="안연수" userId="fd5a797d-24b9-4df8-8716-aa17ab6a6d9f" providerId="ADAL" clId="{738A5BA9-5125-45CC-A49B-89362E457F61}"/>
+    <pc:docChg chg="undo redo custSel addSld modSld">
+      <pc:chgData name="안연수" userId="fd5a797d-24b9-4df8-8716-aa17ab6a6d9f" providerId="ADAL" clId="{738A5BA9-5125-45CC-A49B-89362E457F61}" dt="2023-08-03T08:59:45.137" v="679"/>
+      <pc:docMkLst>
+        <pc:docMk/>
+      </pc:docMkLst>
+      <pc:sldChg chg="addSp delSp modSp add mod">
+        <pc:chgData name="안연수" userId="fd5a797d-24b9-4df8-8716-aa17ab6a6d9f" providerId="ADAL" clId="{738A5BA9-5125-45CC-A49B-89362E457F61}" dt="2023-08-03T08:57:52.951" v="672" actId="207"/>
+        <pc:sldMkLst>
+          <pc:docMk/>
+          <pc:sldMk cId="3703591726" sldId="257"/>
+        </pc:sldMkLst>
+        <pc:spChg chg="add mod ord">
+          <ac:chgData name="안연수" userId="fd5a797d-24b9-4df8-8716-aa17ab6a6d9f" providerId="ADAL" clId="{738A5BA9-5125-45CC-A49B-89362E457F61}" dt="2023-08-03T08:57:14.317" v="652" actId="14861"/>
+          <ac:spMkLst>
+            <pc:docMk/>
+            <pc:sldMk cId="3703591726" sldId="257"/>
+            <ac:spMk id="2" creationId="{BB851F98-DE38-8F54-4D21-06AD5A72094E}"/>
+          </ac:spMkLst>
+        </pc:spChg>
+        <pc:spChg chg="add mod ord">
+          <ac:chgData name="안연수" userId="fd5a797d-24b9-4df8-8716-aa17ab6a6d9f" providerId="ADAL" clId="{738A5BA9-5125-45CC-A49B-89362E457F61}" dt="2023-08-03T08:57:14.317" v="652" actId="14861"/>
+          <ac:spMkLst>
+            <pc:docMk/>
+            <pc:sldMk cId="3703591726" sldId="257"/>
+            <ac:spMk id="3" creationId="{1B9D1E76-CD9A-C98E-06CA-4D57F862380E}"/>
+          </ac:spMkLst>
+        </pc:spChg>
+        <pc:spChg chg="add mod ord">
+          <ac:chgData name="안연수" userId="fd5a797d-24b9-4df8-8716-aa17ab6a6d9f" providerId="ADAL" clId="{738A5BA9-5125-45CC-A49B-89362E457F61}" dt="2023-08-03T08:57:52.951" v="672" actId="207"/>
+          <ac:spMkLst>
+            <pc:docMk/>
+            <pc:sldMk cId="3703591726" sldId="257"/>
+            <ac:spMk id="4" creationId="{CFFC3FFB-1373-8BBD-C4D5-CD72F2F7E2B3}"/>
+          </ac:spMkLst>
+        </pc:spChg>
+        <pc:spChg chg="add mod ord">
+          <ac:chgData name="안연수" userId="fd5a797d-24b9-4df8-8716-aa17ab6a6d9f" providerId="ADAL" clId="{738A5BA9-5125-45CC-A49B-89362E457F61}" dt="2023-08-03T08:57:33.610" v="654" actId="255"/>
+          <ac:spMkLst>
+            <pc:docMk/>
+            <pc:sldMk cId="3703591726" sldId="257"/>
+            <ac:spMk id="5" creationId="{12303543-B0B5-4A68-0041-F8F9B16D29AD}"/>
+          </ac:spMkLst>
+        </pc:spChg>
+        <pc:spChg chg="add mod ord">
+          <ac:chgData name="안연수" userId="fd5a797d-24b9-4df8-8716-aa17ab6a6d9f" providerId="ADAL" clId="{738A5BA9-5125-45CC-A49B-89362E457F61}" dt="2023-08-03T08:57:42.803" v="671"/>
+          <ac:spMkLst>
+            <pc:docMk/>
+            <pc:sldMk cId="3703591726" sldId="257"/>
+            <ac:spMk id="6" creationId="{4803B8C8-5DF9-BE54-07B4-9F629CFD58B2}"/>
+          </ac:spMkLst>
+        </pc:spChg>
+        <pc:spChg chg="add mod ord">
+          <ac:chgData name="안연수" userId="fd5a797d-24b9-4df8-8716-aa17ab6a6d9f" providerId="ADAL" clId="{738A5BA9-5125-45CC-A49B-89362E457F61}" dt="2023-08-03T08:57:14.317" v="652" actId="14861"/>
+          <ac:spMkLst>
+            <pc:docMk/>
+            <pc:sldMk cId="3703591726" sldId="257"/>
+            <ac:spMk id="7" creationId="{BA909AD7-B1C7-8639-7968-5245DDD48B8F}"/>
+          </ac:spMkLst>
+        </pc:spChg>
+        <pc:spChg chg="del mod">
+          <ac:chgData name="안연수" userId="fd5a797d-24b9-4df8-8716-aa17ab6a6d9f" providerId="ADAL" clId="{738A5BA9-5125-45CC-A49B-89362E457F61}" dt="2023-08-03T08:51:24.524" v="568" actId="478"/>
+          <ac:spMkLst>
+            <pc:docMk/>
+            <pc:sldMk cId="3703591726" sldId="257"/>
+            <ac:spMk id="12" creationId="{F8C12247-4C0A-8228-C87C-2B8A21EEF0D6}"/>
+          </ac:spMkLst>
+        </pc:spChg>
+        <pc:spChg chg="del mod">
+          <ac:chgData name="안연수" userId="fd5a797d-24b9-4df8-8716-aa17ab6a6d9f" providerId="ADAL" clId="{738A5BA9-5125-45CC-A49B-89362E457F61}" dt="2023-08-03T08:51:24.524" v="568" actId="478"/>
+          <ac:spMkLst>
+            <pc:docMk/>
+            <pc:sldMk cId="3703591726" sldId="257"/>
+            <ac:spMk id="15" creationId="{F81B3D9B-3EF0-02BC-5B4E-F11E968F4222}"/>
+          </ac:spMkLst>
+        </pc:spChg>
+        <pc:spChg chg="del mod topLvl">
+          <ac:chgData name="안연수" userId="fd5a797d-24b9-4df8-8716-aa17ab6a6d9f" providerId="ADAL" clId="{738A5BA9-5125-45CC-A49B-89362E457F61}" dt="2023-08-03T08:51:24.524" v="568" actId="478"/>
+          <ac:spMkLst>
+            <pc:docMk/>
+            <pc:sldMk cId="3703591726" sldId="257"/>
+            <ac:spMk id="16" creationId="{7BCA792A-0EA5-FE5B-6989-059657128CD3}"/>
+          </ac:spMkLst>
+        </pc:spChg>
+        <pc:spChg chg="del mod topLvl">
+          <ac:chgData name="안연수" userId="fd5a797d-24b9-4df8-8716-aa17ab6a6d9f" providerId="ADAL" clId="{738A5BA9-5125-45CC-A49B-89362E457F61}" dt="2023-08-03T08:51:24.524" v="568" actId="478"/>
+          <ac:spMkLst>
+            <pc:docMk/>
+            <pc:sldMk cId="3703591726" sldId="257"/>
+            <ac:spMk id="17" creationId="{040BE4D0-912F-7279-4BCC-47C152FF7D00}"/>
+          </ac:spMkLst>
+        </pc:spChg>
+        <pc:spChg chg="del mod topLvl">
+          <ac:chgData name="안연수" userId="fd5a797d-24b9-4df8-8716-aa17ab6a6d9f" providerId="ADAL" clId="{738A5BA9-5125-45CC-A49B-89362E457F61}" dt="2023-08-03T08:44:47.619" v="2" actId="478"/>
+          <ac:spMkLst>
+            <pc:docMk/>
+            <pc:sldMk cId="3703591726" sldId="257"/>
+            <ac:spMk id="18" creationId="{DD73A332-10C1-46C4-68CE-65C74D39E1F8}"/>
+          </ac:spMkLst>
+        </pc:spChg>
+        <pc:spChg chg="del mod">
+          <ac:chgData name="안연수" userId="fd5a797d-24b9-4df8-8716-aa17ab6a6d9f" providerId="ADAL" clId="{738A5BA9-5125-45CC-A49B-89362E457F61}" dt="2023-08-03T08:51:24.524" v="568" actId="478"/>
+          <ac:spMkLst>
+            <pc:docMk/>
+            <pc:sldMk cId="3703591726" sldId="257"/>
+            <ac:spMk id="19" creationId="{4412AC8B-9699-68BF-DF21-FFA42B0E5CFB}"/>
+          </ac:spMkLst>
+        </pc:spChg>
+        <pc:spChg chg="del">
+          <ac:chgData name="안연수" userId="fd5a797d-24b9-4df8-8716-aa17ab6a6d9f" providerId="ADAL" clId="{738A5BA9-5125-45CC-A49B-89362E457F61}" dt="2023-08-03T08:51:24.524" v="568" actId="478"/>
+          <ac:spMkLst>
+            <pc:docMk/>
+            <pc:sldMk cId="3703591726" sldId="257"/>
+            <ac:spMk id="20" creationId="{113F94A0-6F5E-B6DE-09A3-E193BAA41D1B}"/>
+          </ac:spMkLst>
+        </pc:spChg>
+        <pc:spChg chg="del">
+          <ac:chgData name="안연수" userId="fd5a797d-24b9-4df8-8716-aa17ab6a6d9f" providerId="ADAL" clId="{738A5BA9-5125-45CC-A49B-89362E457F61}" dt="2023-08-03T08:51:24.524" v="568" actId="478"/>
+          <ac:spMkLst>
+            <pc:docMk/>
+            <pc:sldMk cId="3703591726" sldId="257"/>
+            <ac:spMk id="22" creationId="{6D8E80FE-6CAA-A04D-B07C-DDF0EA26D284}"/>
+          </ac:spMkLst>
+        </pc:spChg>
+        <pc:spChg chg="del">
+          <ac:chgData name="안연수" userId="fd5a797d-24b9-4df8-8716-aa17ab6a6d9f" providerId="ADAL" clId="{738A5BA9-5125-45CC-A49B-89362E457F61}" dt="2023-08-03T08:51:24.524" v="568" actId="478"/>
+          <ac:spMkLst>
+            <pc:docMk/>
+            <pc:sldMk cId="3703591726" sldId="257"/>
+            <ac:spMk id="23" creationId="{C46A417E-2F7B-58B9-639C-AC4900F48187}"/>
+          </ac:spMkLst>
+        </pc:spChg>
+        <pc:spChg chg="del">
+          <ac:chgData name="안연수" userId="fd5a797d-24b9-4df8-8716-aa17ab6a6d9f" providerId="ADAL" clId="{738A5BA9-5125-45CC-A49B-89362E457F61}" dt="2023-08-03T08:51:24.524" v="568" actId="478"/>
+          <ac:spMkLst>
+            <pc:docMk/>
+            <pc:sldMk cId="3703591726" sldId="257"/>
+            <ac:spMk id="24" creationId="{520D72EE-5946-4BC1-32EA-D8BD3D7D2935}"/>
+          </ac:spMkLst>
+        </pc:spChg>
+        <pc:spChg chg="del">
+          <ac:chgData name="안연수" userId="fd5a797d-24b9-4df8-8716-aa17ab6a6d9f" providerId="ADAL" clId="{738A5BA9-5125-45CC-A49B-89362E457F61}" dt="2023-08-03T08:51:24.524" v="568" actId="478"/>
+          <ac:spMkLst>
+            <pc:docMk/>
+            <pc:sldMk cId="3703591726" sldId="257"/>
+            <ac:spMk id="25" creationId="{064FA3A5-FB87-B21A-6E76-752056F01114}"/>
+          </ac:spMkLst>
+        </pc:spChg>
+        <pc:grpChg chg="del">
+          <ac:chgData name="안연수" userId="fd5a797d-24b9-4df8-8716-aa17ab6a6d9f" providerId="ADAL" clId="{738A5BA9-5125-45CC-A49B-89362E457F61}" dt="2023-08-03T08:44:45.795" v="1" actId="165"/>
+          <ac:grpSpMkLst>
+            <pc:docMk/>
+            <pc:sldMk cId="3703591726" sldId="257"/>
+            <ac:grpSpMk id="21" creationId="{E6AD91DE-0D13-01A3-44EE-DC2CEDBEF2BC}"/>
+          </ac:grpSpMkLst>
+        </pc:grpChg>
+        <pc:cxnChg chg="add mod">
+          <ac:chgData name="안연수" userId="fd5a797d-24b9-4df8-8716-aa17ab6a6d9f" providerId="ADAL" clId="{738A5BA9-5125-45CC-A49B-89362E457F61}" dt="2023-08-03T08:57:14.317" v="652" actId="14861"/>
+          <ac:cxnSpMkLst>
+            <pc:docMk/>
+            <pc:sldMk cId="3703591726" sldId="257"/>
+            <ac:cxnSpMk id="9" creationId="{4F6F1000-B1EE-EA6B-ADD0-8D7243934AE8}"/>
+          </ac:cxnSpMkLst>
+        </pc:cxnChg>
+        <pc:cxnChg chg="add mod">
+          <ac:chgData name="안연수" userId="fd5a797d-24b9-4df8-8716-aa17ab6a6d9f" providerId="ADAL" clId="{738A5BA9-5125-45CC-A49B-89362E457F61}" dt="2023-08-03T08:57:14.317" v="652" actId="14861"/>
+          <ac:cxnSpMkLst>
+            <pc:docMk/>
+            <pc:sldMk cId="3703591726" sldId="257"/>
+            <ac:cxnSpMk id="11" creationId="{CA95F438-2941-5149-F124-F4D2840BB223}"/>
+          </ac:cxnSpMkLst>
+        </pc:cxnChg>
+        <pc:cxnChg chg="add mod">
+          <ac:chgData name="안연수" userId="fd5a797d-24b9-4df8-8716-aa17ab6a6d9f" providerId="ADAL" clId="{738A5BA9-5125-45CC-A49B-89362E457F61}" dt="2023-08-03T08:57:14.317" v="652" actId="14861"/>
+          <ac:cxnSpMkLst>
+            <pc:docMk/>
+            <pc:sldMk cId="3703591726" sldId="257"/>
+            <ac:cxnSpMk id="14" creationId="{CDF540F3-8F21-34A2-9CBA-92DDB958F6A7}"/>
+          </ac:cxnSpMkLst>
+        </pc:cxnChg>
+        <pc:cxnChg chg="add del mod">
+          <ac:chgData name="안연수" userId="fd5a797d-24b9-4df8-8716-aa17ab6a6d9f" providerId="ADAL" clId="{738A5BA9-5125-45CC-A49B-89362E457F61}" dt="2023-08-03T08:55:10.615" v="615" actId="478"/>
+          <ac:cxnSpMkLst>
+            <pc:docMk/>
+            <pc:sldMk cId="3703591726" sldId="257"/>
+            <ac:cxnSpMk id="27" creationId="{F42B75E6-3DC5-F0EB-B211-9BA2630ECC10}"/>
+          </ac:cxnSpMkLst>
+        </pc:cxnChg>
+        <pc:cxnChg chg="add mod">
+          <ac:chgData name="안연수" userId="fd5a797d-24b9-4df8-8716-aa17ab6a6d9f" providerId="ADAL" clId="{738A5BA9-5125-45CC-A49B-89362E457F61}" dt="2023-08-03T08:57:14.317" v="652" actId="14861"/>
+          <ac:cxnSpMkLst>
+            <pc:docMk/>
+            <pc:sldMk cId="3703591726" sldId="257"/>
+            <ac:cxnSpMk id="31" creationId="{D9539513-D5CE-64F5-04D2-322FD48A2C21}"/>
+          </ac:cxnSpMkLst>
+        </pc:cxnChg>
+        <pc:cxnChg chg="add mod">
+          <ac:chgData name="안연수" userId="fd5a797d-24b9-4df8-8716-aa17ab6a6d9f" providerId="ADAL" clId="{738A5BA9-5125-45CC-A49B-89362E457F61}" dt="2023-08-03T08:57:14.317" v="652" actId="14861"/>
+          <ac:cxnSpMkLst>
+            <pc:docMk/>
+            <pc:sldMk cId="3703591726" sldId="257"/>
+            <ac:cxnSpMk id="34" creationId="{D27159AA-EA85-36C7-7CC6-CE08D6913EA8}"/>
+          </ac:cxnSpMkLst>
+        </pc:cxnChg>
+        <pc:cxnChg chg="add mod">
+          <ac:chgData name="안연수" userId="fd5a797d-24b9-4df8-8716-aa17ab6a6d9f" providerId="ADAL" clId="{738A5BA9-5125-45CC-A49B-89362E457F61}" dt="2023-08-03T08:57:14.317" v="652" actId="14861"/>
+          <ac:cxnSpMkLst>
+            <pc:docMk/>
+            <pc:sldMk cId="3703591726" sldId="257"/>
+            <ac:cxnSpMk id="35" creationId="{6833A776-C679-3BA6-69DB-A548DFBC4F19}"/>
+          </ac:cxnSpMkLst>
+        </pc:cxnChg>
+        <pc:cxnChg chg="add mod">
+          <ac:chgData name="안연수" userId="fd5a797d-24b9-4df8-8716-aa17ab6a6d9f" providerId="ADAL" clId="{738A5BA9-5125-45CC-A49B-89362E457F61}" dt="2023-08-03T08:57:14.317" v="652" actId="14861"/>
+          <ac:cxnSpMkLst>
+            <pc:docMk/>
+            <pc:sldMk cId="3703591726" sldId="257"/>
+            <ac:cxnSpMk id="36" creationId="{8686D28B-AB2C-52CF-91E0-F4169C2BF887}"/>
+          </ac:cxnSpMkLst>
+        </pc:cxnChg>
+        <pc:cxnChg chg="add mod">
+          <ac:chgData name="안연수" userId="fd5a797d-24b9-4df8-8716-aa17ab6a6d9f" providerId="ADAL" clId="{738A5BA9-5125-45CC-A49B-89362E457F61}" dt="2023-08-03T08:57:14.317" v="652" actId="14861"/>
+          <ac:cxnSpMkLst>
+            <pc:docMk/>
+            <pc:sldMk cId="3703591726" sldId="257"/>
+            <ac:cxnSpMk id="37" creationId="{2B573817-E247-82E5-A0D8-9C0A6551161C}"/>
+          </ac:cxnSpMkLst>
+        </pc:cxnChg>
+        <pc:cxnChg chg="add mod">
+          <ac:chgData name="안연수" userId="fd5a797d-24b9-4df8-8716-aa17ab6a6d9f" providerId="ADAL" clId="{738A5BA9-5125-45CC-A49B-89362E457F61}" dt="2023-08-03T08:57:14.317" v="652" actId="14861"/>
+          <ac:cxnSpMkLst>
+            <pc:docMk/>
+            <pc:sldMk cId="3703591726" sldId="257"/>
+            <ac:cxnSpMk id="38" creationId="{B26CA2EE-F886-2000-8592-9BFBFCA15626}"/>
+          </ac:cxnSpMkLst>
+        </pc:cxnChg>
+        <pc:cxnChg chg="add mod">
+          <ac:chgData name="안연수" userId="fd5a797d-24b9-4df8-8716-aa17ab6a6d9f" providerId="ADAL" clId="{738A5BA9-5125-45CC-A49B-89362E457F61}" dt="2023-08-03T08:57:14.317" v="652" actId="14861"/>
+          <ac:cxnSpMkLst>
+            <pc:docMk/>
+            <pc:sldMk cId="3703591726" sldId="257"/>
+            <ac:cxnSpMk id="39" creationId="{BC0D1D46-E087-92F3-B438-5344B2CE950D}"/>
+          </ac:cxnSpMkLst>
+        </pc:cxnChg>
+        <pc:cxnChg chg="add mod">
+          <ac:chgData name="안연수" userId="fd5a797d-24b9-4df8-8716-aa17ab6a6d9f" providerId="ADAL" clId="{738A5BA9-5125-45CC-A49B-89362E457F61}" dt="2023-08-03T08:57:14.317" v="652" actId="14861"/>
+          <ac:cxnSpMkLst>
+            <pc:docMk/>
+            <pc:sldMk cId="3703591726" sldId="257"/>
+            <ac:cxnSpMk id="40" creationId="{42DA9178-B4C1-51DF-26EF-6CA0A2FF5EFE}"/>
+          </ac:cxnSpMkLst>
+        </pc:cxnChg>
+        <pc:cxnChg chg="add mod">
+          <ac:chgData name="안연수" userId="fd5a797d-24b9-4df8-8716-aa17ab6a6d9f" providerId="ADAL" clId="{738A5BA9-5125-45CC-A49B-89362E457F61}" dt="2023-08-03T08:57:14.317" v="652" actId="14861"/>
+          <ac:cxnSpMkLst>
+            <pc:docMk/>
+            <pc:sldMk cId="3703591726" sldId="257"/>
+            <ac:cxnSpMk id="42" creationId="{6907716E-5CF6-A5E0-53CD-58C39170BF87}"/>
+          </ac:cxnSpMkLst>
+        </pc:cxnChg>
+      </pc:sldChg>
+      <pc:sldChg chg="addSp delSp modSp new mod">
+        <pc:chgData name="안연수" userId="fd5a797d-24b9-4df8-8716-aa17ab6a6d9f" providerId="ADAL" clId="{738A5BA9-5125-45CC-A49B-89362E457F61}" dt="2023-08-03T08:59:45.137" v="679"/>
+        <pc:sldMkLst>
+          <pc:docMk/>
+          <pc:sldMk cId="853449166" sldId="258"/>
+        </pc:sldMkLst>
+        <pc:spChg chg="del">
+          <ac:chgData name="안연수" userId="fd5a797d-24b9-4df8-8716-aa17ab6a6d9f" providerId="ADAL" clId="{738A5BA9-5125-45CC-A49B-89362E457F61}" dt="2023-08-03T08:59:30.976" v="676" actId="478"/>
+          <ac:spMkLst>
+            <pc:docMk/>
+            <pc:sldMk cId="853449166" sldId="258"/>
+            <ac:spMk id="2" creationId="{71EE61EE-9EE3-28A1-B4C4-7C6593DC90D3}"/>
+          </ac:spMkLst>
+        </pc:spChg>
+        <pc:spChg chg="del">
+          <ac:chgData name="안연수" userId="fd5a797d-24b9-4df8-8716-aa17ab6a6d9f" providerId="ADAL" clId="{738A5BA9-5125-45CC-A49B-89362E457F61}" dt="2023-08-03T08:59:30.976" v="676" actId="478"/>
+          <ac:spMkLst>
+            <pc:docMk/>
+            <pc:sldMk cId="853449166" sldId="258"/>
+            <ac:spMk id="3" creationId="{2F462B6C-CDEA-793B-4E39-DF8744477538}"/>
+          </ac:spMkLst>
+        </pc:spChg>
+        <pc:spChg chg="add del mod">
+          <ac:chgData name="안연수" userId="fd5a797d-24b9-4df8-8716-aa17ab6a6d9f" providerId="ADAL" clId="{738A5BA9-5125-45CC-A49B-89362E457F61}" dt="2023-08-03T08:59:29.305" v="675"/>
+          <ac:spMkLst>
+            <pc:docMk/>
+            <pc:sldMk cId="853449166" sldId="258"/>
+            <ac:spMk id="16" creationId="{40ADD14B-98BF-0091-0E7C-CC2F1F673C36}"/>
+          </ac:spMkLst>
+        </pc:spChg>
+        <pc:spChg chg="add del mod">
+          <ac:chgData name="안연수" userId="fd5a797d-24b9-4df8-8716-aa17ab6a6d9f" providerId="ADAL" clId="{738A5BA9-5125-45CC-A49B-89362E457F61}" dt="2023-08-03T08:59:29.305" v="675"/>
+          <ac:spMkLst>
+            <pc:docMk/>
+            <pc:sldMk cId="853449166" sldId="258"/>
+            <ac:spMk id="17" creationId="{9C740FF6-39F5-0216-2085-91C9F68DB40F}"/>
+          </ac:spMkLst>
+        </pc:spChg>
+        <pc:spChg chg="add del mod">
+          <ac:chgData name="안연수" userId="fd5a797d-24b9-4df8-8716-aa17ab6a6d9f" providerId="ADAL" clId="{738A5BA9-5125-45CC-A49B-89362E457F61}" dt="2023-08-03T08:59:29.305" v="675"/>
+          <ac:spMkLst>
+            <pc:docMk/>
+            <pc:sldMk cId="853449166" sldId="258"/>
+            <ac:spMk id="18" creationId="{E2B4C18C-5612-8CDC-5185-028DCAAC6005}"/>
+          </ac:spMkLst>
+        </pc:spChg>
+        <pc:spChg chg="add del mod">
+          <ac:chgData name="안연수" userId="fd5a797d-24b9-4df8-8716-aa17ab6a6d9f" providerId="ADAL" clId="{738A5BA9-5125-45CC-A49B-89362E457F61}" dt="2023-08-03T08:59:29.305" v="675"/>
+          <ac:spMkLst>
+            <pc:docMk/>
+            <pc:sldMk cId="853449166" sldId="258"/>
+            <ac:spMk id="19" creationId="{AF908165-3F3E-9DB8-0F41-F7C4AC587E0F}"/>
+          </ac:spMkLst>
+        </pc:spChg>
+        <pc:spChg chg="add del mod">
+          <ac:chgData name="안연수" userId="fd5a797d-24b9-4df8-8716-aa17ab6a6d9f" providerId="ADAL" clId="{738A5BA9-5125-45CC-A49B-89362E457F61}" dt="2023-08-03T08:59:29.305" v="675"/>
+          <ac:spMkLst>
+            <pc:docMk/>
+            <pc:sldMk cId="853449166" sldId="258"/>
+            <ac:spMk id="20" creationId="{40B72D8C-6435-92FF-45E3-5163507EFB67}"/>
+          </ac:spMkLst>
+        </pc:spChg>
+        <pc:spChg chg="add del mod">
+          <ac:chgData name="안연수" userId="fd5a797d-24b9-4df8-8716-aa17ab6a6d9f" providerId="ADAL" clId="{738A5BA9-5125-45CC-A49B-89362E457F61}" dt="2023-08-03T08:59:29.305" v="675"/>
+          <ac:spMkLst>
+            <pc:docMk/>
+            <pc:sldMk cId="853449166" sldId="258"/>
+            <ac:spMk id="21" creationId="{61B4F7EA-18C8-CF1B-5271-5DE15C60D414}"/>
+          </ac:spMkLst>
+        </pc:spChg>
+        <pc:spChg chg="add del mod">
+          <ac:chgData name="안연수" userId="fd5a797d-24b9-4df8-8716-aa17ab6a6d9f" providerId="ADAL" clId="{738A5BA9-5125-45CC-A49B-89362E457F61}" dt="2023-08-03T08:59:37.364" v="678"/>
+          <ac:spMkLst>
+            <pc:docMk/>
+            <pc:sldMk cId="853449166" sldId="258"/>
+            <ac:spMk id="34" creationId="{8C67A300-18C6-05B6-8B6F-7B3CDFABCAF2}"/>
+          </ac:spMkLst>
+        </pc:spChg>
+        <pc:spChg chg="add del mod">
+          <ac:chgData name="안연수" userId="fd5a797d-24b9-4df8-8716-aa17ab6a6d9f" providerId="ADAL" clId="{738A5BA9-5125-45CC-A49B-89362E457F61}" dt="2023-08-03T08:59:37.364" v="678"/>
+          <ac:spMkLst>
+            <pc:docMk/>
+            <pc:sldMk cId="853449166" sldId="258"/>
+            <ac:spMk id="35" creationId="{4B80BCE2-486D-1CC6-740C-DEC74797903E}"/>
+          </ac:spMkLst>
+        </pc:spChg>
+        <pc:spChg chg="add del mod">
+          <ac:chgData name="안연수" userId="fd5a797d-24b9-4df8-8716-aa17ab6a6d9f" providerId="ADAL" clId="{738A5BA9-5125-45CC-A49B-89362E457F61}" dt="2023-08-03T08:59:37.364" v="678"/>
+          <ac:spMkLst>
+            <pc:docMk/>
+            <pc:sldMk cId="853449166" sldId="258"/>
+            <ac:spMk id="36" creationId="{3EFE52C2-657A-851A-7D94-6303B5045942}"/>
+          </ac:spMkLst>
+        </pc:spChg>
+        <pc:spChg chg="add del mod">
+          <ac:chgData name="안연수" userId="fd5a797d-24b9-4df8-8716-aa17ab6a6d9f" providerId="ADAL" clId="{738A5BA9-5125-45CC-A49B-89362E457F61}" dt="2023-08-03T08:59:37.364" v="678"/>
+          <ac:spMkLst>
+            <pc:docMk/>
+            <pc:sldMk cId="853449166" sldId="258"/>
+            <ac:spMk id="37" creationId="{E17FD928-FCBB-4212-F435-968C4D53AC5C}"/>
+          </ac:spMkLst>
+        </pc:spChg>
+        <pc:spChg chg="add del mod">
+          <ac:chgData name="안연수" userId="fd5a797d-24b9-4df8-8716-aa17ab6a6d9f" providerId="ADAL" clId="{738A5BA9-5125-45CC-A49B-89362E457F61}" dt="2023-08-03T08:59:37.364" v="678"/>
+          <ac:spMkLst>
+            <pc:docMk/>
+            <pc:sldMk cId="853449166" sldId="258"/>
+            <ac:spMk id="38" creationId="{9260D322-17E0-0542-F0C3-8B14AB0295AA}"/>
+          </ac:spMkLst>
+        </pc:spChg>
+        <pc:spChg chg="add del mod">
+          <ac:chgData name="안연수" userId="fd5a797d-24b9-4df8-8716-aa17ab6a6d9f" providerId="ADAL" clId="{738A5BA9-5125-45CC-A49B-89362E457F61}" dt="2023-08-03T08:59:37.364" v="678"/>
+          <ac:spMkLst>
+            <pc:docMk/>
+            <pc:sldMk cId="853449166" sldId="258"/>
+            <ac:spMk id="39" creationId="{15EB35C2-8A61-6CBE-E277-8772CF71B0C6}"/>
+          </ac:spMkLst>
+        </pc:spChg>
+        <pc:picChg chg="add">
+          <ac:chgData name="안연수" userId="fd5a797d-24b9-4df8-8716-aa17ab6a6d9f" providerId="ADAL" clId="{738A5BA9-5125-45CC-A49B-89362E457F61}" dt="2023-08-03T08:59:45.137" v="679"/>
+          <ac:picMkLst>
+            <pc:docMk/>
+            <pc:sldMk cId="853449166" sldId="258"/>
+            <ac:picMk id="40" creationId="{06B4E926-5ED2-249B-C658-7DF95CA3D224}"/>
+          </ac:picMkLst>
+        </pc:picChg>
+        <pc:cxnChg chg="add del mod">
+          <ac:chgData name="안연수" userId="fd5a797d-24b9-4df8-8716-aa17ab6a6d9f" providerId="ADAL" clId="{738A5BA9-5125-45CC-A49B-89362E457F61}" dt="2023-08-03T08:59:29.305" v="675"/>
+          <ac:cxnSpMkLst>
+            <pc:docMk/>
+            <pc:sldMk cId="853449166" sldId="258"/>
+            <ac:cxnSpMk id="4" creationId="{F459B1B4-7549-EAAD-F54E-2A89F9EE85D4}"/>
+          </ac:cxnSpMkLst>
+        </pc:cxnChg>
+        <pc:cxnChg chg="add del mod">
+          <ac:chgData name="안연수" userId="fd5a797d-24b9-4df8-8716-aa17ab6a6d9f" providerId="ADAL" clId="{738A5BA9-5125-45CC-A49B-89362E457F61}" dt="2023-08-03T08:59:29.305" v="675"/>
+          <ac:cxnSpMkLst>
+            <pc:docMk/>
+            <pc:sldMk cId="853449166" sldId="258"/>
+            <ac:cxnSpMk id="5" creationId="{D7689CA6-BDF9-8AE2-79CC-99AA61F111CE}"/>
+          </ac:cxnSpMkLst>
+        </pc:cxnChg>
+        <pc:cxnChg chg="add del mod">
+          <ac:chgData name="안연수" userId="fd5a797d-24b9-4df8-8716-aa17ab6a6d9f" providerId="ADAL" clId="{738A5BA9-5125-45CC-A49B-89362E457F61}" dt="2023-08-03T08:59:29.305" v="675"/>
+          <ac:cxnSpMkLst>
+            <pc:docMk/>
+            <pc:sldMk cId="853449166" sldId="258"/>
+            <ac:cxnSpMk id="6" creationId="{08E8B204-FB1E-C134-94B3-5B6ECC947A3C}"/>
+          </ac:cxnSpMkLst>
+        </pc:cxnChg>
+        <pc:cxnChg chg="add del mod">
+          <ac:chgData name="안연수" userId="fd5a797d-24b9-4df8-8716-aa17ab6a6d9f" providerId="ADAL" clId="{738A5BA9-5125-45CC-A49B-89362E457F61}" dt="2023-08-03T08:59:29.305" v="675"/>
+          <ac:cxnSpMkLst>
+            <pc:docMk/>
+            <pc:sldMk cId="853449166" sldId="258"/>
+            <ac:cxnSpMk id="7" creationId="{4FFA4048-8F90-F90D-6777-5A1180272EFB}"/>
+          </ac:cxnSpMkLst>
+        </pc:cxnChg>
+        <pc:cxnChg chg="add del mod">
+          <ac:chgData name="안연수" userId="fd5a797d-24b9-4df8-8716-aa17ab6a6d9f" providerId="ADAL" clId="{738A5BA9-5125-45CC-A49B-89362E457F61}" dt="2023-08-03T08:59:29.305" v="675"/>
+          <ac:cxnSpMkLst>
+            <pc:docMk/>
+            <pc:sldMk cId="853449166" sldId="258"/>
+            <ac:cxnSpMk id="8" creationId="{1613D7E5-B1A9-22FF-9A13-0F3D2EDD8560}"/>
+          </ac:cxnSpMkLst>
+        </pc:cxnChg>
+        <pc:cxnChg chg="add del mod">
+          <ac:chgData name="안연수" userId="fd5a797d-24b9-4df8-8716-aa17ab6a6d9f" providerId="ADAL" clId="{738A5BA9-5125-45CC-A49B-89362E457F61}" dt="2023-08-03T08:59:29.305" v="675"/>
+          <ac:cxnSpMkLst>
+            <pc:docMk/>
+            <pc:sldMk cId="853449166" sldId="258"/>
+            <ac:cxnSpMk id="9" creationId="{F477B634-5270-85F2-ABF4-ED96B97E4CA5}"/>
+          </ac:cxnSpMkLst>
+        </pc:cxnChg>
+        <pc:cxnChg chg="add del mod">
+          <ac:chgData name="안연수" userId="fd5a797d-24b9-4df8-8716-aa17ab6a6d9f" providerId="ADAL" clId="{738A5BA9-5125-45CC-A49B-89362E457F61}" dt="2023-08-03T08:59:29.305" v="675"/>
+          <ac:cxnSpMkLst>
+            <pc:docMk/>
+            <pc:sldMk cId="853449166" sldId="258"/>
+            <ac:cxnSpMk id="10" creationId="{25696741-2BAD-9876-EEFE-01B0379F5ECE}"/>
+          </ac:cxnSpMkLst>
+        </pc:cxnChg>
+        <pc:cxnChg chg="add del mod">
+          <ac:chgData name="안연수" userId="fd5a797d-24b9-4df8-8716-aa17ab6a6d9f" providerId="ADAL" clId="{738A5BA9-5125-45CC-A49B-89362E457F61}" dt="2023-08-03T08:59:29.305" v="675"/>
+          <ac:cxnSpMkLst>
+            <pc:docMk/>
+            <pc:sldMk cId="853449166" sldId="258"/>
+            <ac:cxnSpMk id="11" creationId="{47B1356C-1249-6CAB-226C-B1B70A0FE082}"/>
+          </ac:cxnSpMkLst>
+        </pc:cxnChg>
+        <pc:cxnChg chg="add del mod">
+          <ac:chgData name="안연수" userId="fd5a797d-24b9-4df8-8716-aa17ab6a6d9f" providerId="ADAL" clId="{738A5BA9-5125-45CC-A49B-89362E457F61}" dt="2023-08-03T08:59:29.305" v="675"/>
+          <ac:cxnSpMkLst>
+            <pc:docMk/>
+            <pc:sldMk cId="853449166" sldId="258"/>
+            <ac:cxnSpMk id="12" creationId="{BF4C7C91-B303-19D8-8C3A-9CDE1EB7DCF7}"/>
+          </ac:cxnSpMkLst>
+        </pc:cxnChg>
+        <pc:cxnChg chg="add del mod">
+          <ac:chgData name="안연수" userId="fd5a797d-24b9-4df8-8716-aa17ab6a6d9f" providerId="ADAL" clId="{738A5BA9-5125-45CC-A49B-89362E457F61}" dt="2023-08-03T08:59:29.305" v="675"/>
+          <ac:cxnSpMkLst>
+            <pc:docMk/>
+            <pc:sldMk cId="853449166" sldId="258"/>
+            <ac:cxnSpMk id="13" creationId="{1D5EAF05-EE3B-9355-8F4C-3413E59F6725}"/>
+          </ac:cxnSpMkLst>
+        </pc:cxnChg>
+        <pc:cxnChg chg="add del mod">
+          <ac:chgData name="안연수" userId="fd5a797d-24b9-4df8-8716-aa17ab6a6d9f" providerId="ADAL" clId="{738A5BA9-5125-45CC-A49B-89362E457F61}" dt="2023-08-03T08:59:29.305" v="675"/>
+          <ac:cxnSpMkLst>
+            <pc:docMk/>
+            <pc:sldMk cId="853449166" sldId="258"/>
+            <ac:cxnSpMk id="14" creationId="{81B5DEED-64A7-C553-EB43-4EB19B333C93}"/>
+          </ac:cxnSpMkLst>
+        </pc:cxnChg>
+        <pc:cxnChg chg="add del mod">
+          <ac:chgData name="안연수" userId="fd5a797d-24b9-4df8-8716-aa17ab6a6d9f" providerId="ADAL" clId="{738A5BA9-5125-45CC-A49B-89362E457F61}" dt="2023-08-03T08:59:29.305" v="675"/>
+          <ac:cxnSpMkLst>
+            <pc:docMk/>
+            <pc:sldMk cId="853449166" sldId="258"/>
+            <ac:cxnSpMk id="15" creationId="{3777FA2B-905F-8B51-8A5A-FAB4B09D8E3C}"/>
+          </ac:cxnSpMkLst>
+        </pc:cxnChg>
+        <pc:cxnChg chg="add del mod">
+          <ac:chgData name="안연수" userId="fd5a797d-24b9-4df8-8716-aa17ab6a6d9f" providerId="ADAL" clId="{738A5BA9-5125-45CC-A49B-89362E457F61}" dt="2023-08-03T08:59:37.364" v="678"/>
+          <ac:cxnSpMkLst>
+            <pc:docMk/>
+            <pc:sldMk cId="853449166" sldId="258"/>
+            <ac:cxnSpMk id="22" creationId="{4C5829D0-6838-049B-F9AF-516E5A11610B}"/>
+          </ac:cxnSpMkLst>
+        </pc:cxnChg>
+        <pc:cxnChg chg="add del mod">
+          <ac:chgData name="안연수" userId="fd5a797d-24b9-4df8-8716-aa17ab6a6d9f" providerId="ADAL" clId="{738A5BA9-5125-45CC-A49B-89362E457F61}" dt="2023-08-03T08:59:37.364" v="678"/>
+          <ac:cxnSpMkLst>
+            <pc:docMk/>
+            <pc:sldMk cId="853449166" sldId="258"/>
+            <ac:cxnSpMk id="23" creationId="{98C89728-5D2C-0129-5AFA-9D6410EB5535}"/>
+          </ac:cxnSpMkLst>
+        </pc:cxnChg>
+        <pc:cxnChg chg="add del mod">
+          <ac:chgData name="안연수" userId="fd5a797d-24b9-4df8-8716-aa17ab6a6d9f" providerId="ADAL" clId="{738A5BA9-5125-45CC-A49B-89362E457F61}" dt="2023-08-03T08:59:37.364" v="678"/>
+          <ac:cxnSpMkLst>
+            <pc:docMk/>
+            <pc:sldMk cId="853449166" sldId="258"/>
+            <ac:cxnSpMk id="24" creationId="{FD9AD88B-CAC0-E90A-F949-0E1E696D1E1C}"/>
+          </ac:cxnSpMkLst>
+        </pc:cxnChg>
+        <pc:cxnChg chg="add del mod">
+          <ac:chgData name="안연수" userId="fd5a797d-24b9-4df8-8716-aa17ab6a6d9f" providerId="ADAL" clId="{738A5BA9-5125-45CC-A49B-89362E457F61}" dt="2023-08-03T08:59:37.364" v="678"/>
+          <ac:cxnSpMkLst>
+            <pc:docMk/>
+            <pc:sldMk cId="853449166" sldId="258"/>
+            <ac:cxnSpMk id="25" creationId="{0D2684D8-2C64-FCCE-242B-AB3A497028AC}"/>
+          </ac:cxnSpMkLst>
+        </pc:cxnChg>
+        <pc:cxnChg chg="add del mod">
+          <ac:chgData name="안연수" userId="fd5a797d-24b9-4df8-8716-aa17ab6a6d9f" providerId="ADAL" clId="{738A5BA9-5125-45CC-A49B-89362E457F61}" dt="2023-08-03T08:59:37.364" v="678"/>
+          <ac:cxnSpMkLst>
+            <pc:docMk/>
+            <pc:sldMk cId="853449166" sldId="258"/>
+            <ac:cxnSpMk id="26" creationId="{962917FF-0767-4949-1F3F-B2DB8A319C72}"/>
+          </ac:cxnSpMkLst>
+        </pc:cxnChg>
+        <pc:cxnChg chg="add del mod">
+          <ac:chgData name="안연수" userId="fd5a797d-24b9-4df8-8716-aa17ab6a6d9f" providerId="ADAL" clId="{738A5BA9-5125-45CC-A49B-89362E457F61}" dt="2023-08-03T08:59:37.364" v="678"/>
+          <ac:cxnSpMkLst>
+            <pc:docMk/>
+            <pc:sldMk cId="853449166" sldId="258"/>
+            <ac:cxnSpMk id="27" creationId="{AFDCF0E2-82E1-09F5-D4C3-C24CC9996E08}"/>
+          </ac:cxnSpMkLst>
+        </pc:cxnChg>
+        <pc:cxnChg chg="add del mod">
+          <ac:chgData name="안연수" userId="fd5a797d-24b9-4df8-8716-aa17ab6a6d9f" providerId="ADAL" clId="{738A5BA9-5125-45CC-A49B-89362E457F61}" dt="2023-08-03T08:59:37.364" v="678"/>
+          <ac:cxnSpMkLst>
+            <pc:docMk/>
+            <pc:sldMk cId="853449166" sldId="258"/>
+            <ac:cxnSpMk id="28" creationId="{D397B77E-391F-87DD-7CDD-6B2DE9E02BCB}"/>
+          </ac:cxnSpMkLst>
+        </pc:cxnChg>
+        <pc:cxnChg chg="add del mod">
+          <ac:chgData name="안연수" userId="fd5a797d-24b9-4df8-8716-aa17ab6a6d9f" providerId="ADAL" clId="{738A5BA9-5125-45CC-A49B-89362E457F61}" dt="2023-08-03T08:59:37.364" v="678"/>
+          <ac:cxnSpMkLst>
+            <pc:docMk/>
+            <pc:sldMk cId="853449166" sldId="258"/>
+            <ac:cxnSpMk id="29" creationId="{47F0B05F-C51E-0B6E-AC3E-2FA26044F1A1}"/>
+          </ac:cxnSpMkLst>
+        </pc:cxnChg>
+        <pc:cxnChg chg="add del mod">
+          <ac:chgData name="안연수" userId="fd5a797d-24b9-4df8-8716-aa17ab6a6d9f" providerId="ADAL" clId="{738A5BA9-5125-45CC-A49B-89362E457F61}" dt="2023-08-03T08:59:37.364" v="678"/>
+          <ac:cxnSpMkLst>
+            <pc:docMk/>
+            <pc:sldMk cId="853449166" sldId="258"/>
+            <ac:cxnSpMk id="30" creationId="{CDABB019-F9A0-B09E-3669-0FF6B49EF667}"/>
+          </ac:cxnSpMkLst>
+        </pc:cxnChg>
+        <pc:cxnChg chg="add del mod">
+          <ac:chgData name="안연수" userId="fd5a797d-24b9-4df8-8716-aa17ab6a6d9f" providerId="ADAL" clId="{738A5BA9-5125-45CC-A49B-89362E457F61}" dt="2023-08-03T08:59:37.364" v="678"/>
+          <ac:cxnSpMkLst>
+            <pc:docMk/>
+            <pc:sldMk cId="853449166" sldId="258"/>
+            <ac:cxnSpMk id="31" creationId="{77C998FC-18A9-AD6C-C650-781F79B90169}"/>
+          </ac:cxnSpMkLst>
+        </pc:cxnChg>
+        <pc:cxnChg chg="add del mod">
+          <ac:chgData name="안연수" userId="fd5a797d-24b9-4df8-8716-aa17ab6a6d9f" providerId="ADAL" clId="{738A5BA9-5125-45CC-A49B-89362E457F61}" dt="2023-08-03T08:59:37.364" v="678"/>
+          <ac:cxnSpMkLst>
+            <pc:docMk/>
+            <pc:sldMk cId="853449166" sldId="258"/>
+            <ac:cxnSpMk id="32" creationId="{31DD2D71-F5FF-A02F-F6A1-BB3BE83F4EC0}"/>
+          </ac:cxnSpMkLst>
+        </pc:cxnChg>
+        <pc:cxnChg chg="add del mod">
+          <ac:chgData name="안연수" userId="fd5a797d-24b9-4df8-8716-aa17ab6a6d9f" providerId="ADAL" clId="{738A5BA9-5125-45CC-A49B-89362E457F61}" dt="2023-08-03T08:59:37.364" v="678"/>
+          <ac:cxnSpMkLst>
+            <pc:docMk/>
+            <pc:sldMk cId="853449166" sldId="258"/>
+            <ac:cxnSpMk id="33" creationId="{D9847765-F285-E022-095E-426D515034CA}"/>
+          </ac:cxnSpMkLst>
+        </pc:cxnChg>
+      </pc:sldChg>
+    </pc:docChg>
+  </pc:docChgLst>
+</pc:chgInfo>
 </file>
 
 <file path=ppt/slideLayouts/slideLayout1.xml><?xml version="1.0" encoding="utf-8"?>
@@ -238,7 +841,7 @@
           <a:p>
             <a:fld id="{97D1D882-EF1B-43DF-B1C2-EBB2199C6B53}" type="datetimeFigureOut">
               <a:rPr lang="ko-KR" altLang="en-US" smtClean="0"/>
-              <a:t>2023-07-23</a:t>
+              <a:t>2023-08-03</a:t>
             </a:fld>
             <a:endParaRPr lang="ko-KR" altLang="en-US"/>
           </a:p>
@@ -408,7 +1011,7 @@
           <a:p>
             <a:fld id="{97D1D882-EF1B-43DF-B1C2-EBB2199C6B53}" type="datetimeFigureOut">
               <a:rPr lang="ko-KR" altLang="en-US" smtClean="0"/>
-              <a:t>2023-07-23</a:t>
+              <a:t>2023-08-03</a:t>
             </a:fld>
             <a:endParaRPr lang="ko-KR" altLang="en-US"/>
           </a:p>
@@ -588,7 +1191,7 @@
           <a:p>
             <a:fld id="{97D1D882-EF1B-43DF-B1C2-EBB2199C6B53}" type="datetimeFigureOut">
               <a:rPr lang="ko-KR" altLang="en-US" smtClean="0"/>
-              <a:t>2023-07-23</a:t>
+              <a:t>2023-08-03</a:t>
             </a:fld>
             <a:endParaRPr lang="ko-KR" altLang="en-US"/>
           </a:p>
@@ -758,7 +1361,7 @@
           <a:p>
             <a:fld id="{97D1D882-EF1B-43DF-B1C2-EBB2199C6B53}" type="datetimeFigureOut">
               <a:rPr lang="ko-KR" altLang="en-US" smtClean="0"/>
-              <a:t>2023-07-23</a:t>
+              <a:t>2023-08-03</a:t>
             </a:fld>
             <a:endParaRPr lang="ko-KR" altLang="en-US"/>
           </a:p>
@@ -1002,7 +1605,7 @@
           <a:p>
             <a:fld id="{97D1D882-EF1B-43DF-B1C2-EBB2199C6B53}" type="datetimeFigureOut">
               <a:rPr lang="ko-KR" altLang="en-US" smtClean="0"/>
-              <a:t>2023-07-23</a:t>
+              <a:t>2023-08-03</a:t>
             </a:fld>
             <a:endParaRPr lang="ko-KR" altLang="en-US"/>
           </a:p>
@@ -1234,7 +1837,7 @@
           <a:p>
             <a:fld id="{97D1D882-EF1B-43DF-B1C2-EBB2199C6B53}" type="datetimeFigureOut">
               <a:rPr lang="ko-KR" altLang="en-US" smtClean="0"/>
-              <a:t>2023-07-23</a:t>
+              <a:t>2023-08-03</a:t>
             </a:fld>
             <a:endParaRPr lang="ko-KR" altLang="en-US"/>
           </a:p>
@@ -1601,7 +2204,7 @@
           <a:p>
             <a:fld id="{97D1D882-EF1B-43DF-B1C2-EBB2199C6B53}" type="datetimeFigureOut">
               <a:rPr lang="ko-KR" altLang="en-US" smtClean="0"/>
-              <a:t>2023-07-23</a:t>
+              <a:t>2023-08-03</a:t>
             </a:fld>
             <a:endParaRPr lang="ko-KR" altLang="en-US"/>
           </a:p>
@@ -1719,7 +2322,7 @@
           <a:p>
             <a:fld id="{97D1D882-EF1B-43DF-B1C2-EBB2199C6B53}" type="datetimeFigureOut">
               <a:rPr lang="ko-KR" altLang="en-US" smtClean="0"/>
-              <a:t>2023-07-23</a:t>
+              <a:t>2023-08-03</a:t>
             </a:fld>
             <a:endParaRPr lang="ko-KR" altLang="en-US"/>
           </a:p>
@@ -1814,7 +2417,7 @@
           <a:p>
             <a:fld id="{97D1D882-EF1B-43DF-B1C2-EBB2199C6B53}" type="datetimeFigureOut">
               <a:rPr lang="ko-KR" altLang="en-US" smtClean="0"/>
-              <a:t>2023-07-23</a:t>
+              <a:t>2023-08-03</a:t>
             </a:fld>
             <a:endParaRPr lang="ko-KR" altLang="en-US"/>
           </a:p>
@@ -2091,7 +2694,7 @@
           <a:p>
             <a:fld id="{97D1D882-EF1B-43DF-B1C2-EBB2199C6B53}" type="datetimeFigureOut">
               <a:rPr lang="ko-KR" altLang="en-US" smtClean="0"/>
-              <a:t>2023-07-23</a:t>
+              <a:t>2023-08-03</a:t>
             </a:fld>
             <a:endParaRPr lang="ko-KR" altLang="en-US"/>
           </a:p>
@@ -2348,7 +2951,7 @@
           <a:p>
             <a:fld id="{97D1D882-EF1B-43DF-B1C2-EBB2199C6B53}" type="datetimeFigureOut">
               <a:rPr lang="ko-KR" altLang="en-US" smtClean="0"/>
-              <a:t>2023-07-23</a:t>
+              <a:t>2023-08-03</a:t>
             </a:fld>
             <a:endParaRPr lang="ko-KR" altLang="en-US"/>
           </a:p>
@@ -2561,7 +3164,7 @@
           <a:p>
             <a:fld id="{97D1D882-EF1B-43DF-B1C2-EBB2199C6B53}" type="datetimeFigureOut">
               <a:rPr lang="ko-KR" altLang="en-US" smtClean="0"/>
-              <a:t>2023-07-23</a:t>
+              <a:t>2023-08-03</a:t>
             </a:fld>
             <a:endParaRPr lang="ko-KR" altLang="en-US"/>
           </a:p>
@@ -3718,6 +4321,1436 @@
 </p:sld>
 </file>
 
+<file path=ppt/slides/slide2.xml><?xml version="1.0" encoding="utf-8"?>
+<p:sld xmlns:a="http://schemas.openxmlformats.org/drawingml/2006/main" xmlns:r="http://schemas.openxmlformats.org/officeDocument/2006/relationships" xmlns:p="http://schemas.openxmlformats.org/presentationml/2006/main">
+  <p:cSld>
+    <p:spTree>
+      <p:nvGrpSpPr>
+        <p:cNvPr id="1" name=""/>
+        <p:cNvGrpSpPr/>
+        <p:nvPr/>
+      </p:nvGrpSpPr>
+      <p:grpSpPr>
+        <a:xfrm>
+          <a:off x="0" y="0"/>
+          <a:ext cx="0" cy="0"/>
+          <a:chOff x="0" y="0"/>
+          <a:chExt cx="0" cy="0"/>
+        </a:xfrm>
+      </p:grpSpPr>
+      <p:cxnSp>
+        <p:nvCxnSpPr>
+          <p:cNvPr id="9" name="직선 연결선 8">
+            <a:extLst>
+              <a:ext uri="{FF2B5EF4-FFF2-40B4-BE49-F238E27FC236}">
+                <a16:creationId xmlns:a16="http://schemas.microsoft.com/office/drawing/2014/main" id="{4F6F1000-B1EE-EA6B-ADD0-8D7243934AE8}"/>
+              </a:ext>
+            </a:extLst>
+          </p:cNvPr>
+          <p:cNvCxnSpPr>
+            <a:stCxn id="2" idx="2"/>
+            <a:endCxn id="3" idx="0"/>
+          </p:cNvCxnSpPr>
+          <p:nvPr/>
+        </p:nvCxnSpPr>
+        <p:spPr>
+          <a:xfrm>
+            <a:off x="3429000" y="1824563"/>
+            <a:ext cx="0" cy="329484"/>
+          </a:xfrm>
+          <a:prstGeom prst="line">
+            <a:avLst/>
+          </a:prstGeom>
+          <a:ln w="38100">
+            <a:solidFill>
+              <a:schemeClr val="accent5"/>
+            </a:solidFill>
+          </a:ln>
+          <a:effectLst>
+            <a:outerShdw blurRad="63500" sx="102000" sy="102000" algn="ctr" rotWithShape="0">
+              <a:prstClr val="black">
+                <a:alpha val="40000"/>
+              </a:prstClr>
+            </a:outerShdw>
+          </a:effectLst>
+        </p:spPr>
+        <p:style>
+          <a:lnRef idx="1">
+            <a:schemeClr val="accent1"/>
+          </a:lnRef>
+          <a:fillRef idx="0">
+            <a:schemeClr val="accent1"/>
+          </a:fillRef>
+          <a:effectRef idx="0">
+            <a:schemeClr val="accent1"/>
+          </a:effectRef>
+          <a:fontRef idx="minor">
+            <a:schemeClr val="tx1"/>
+          </a:fontRef>
+        </p:style>
+      </p:cxnSp>
+      <p:cxnSp>
+        <p:nvCxnSpPr>
+          <p:cNvPr id="11" name="직선 연결선 10">
+            <a:extLst>
+              <a:ext uri="{FF2B5EF4-FFF2-40B4-BE49-F238E27FC236}">
+                <a16:creationId xmlns:a16="http://schemas.microsoft.com/office/drawing/2014/main" id="{CA95F438-2941-5149-F124-F4D2840BB223}"/>
+              </a:ext>
+            </a:extLst>
+          </p:cNvPr>
+          <p:cNvCxnSpPr>
+            <a:cxnSpLocks/>
+            <a:stCxn id="3" idx="2"/>
+          </p:cNvCxnSpPr>
+          <p:nvPr/>
+        </p:nvCxnSpPr>
+        <p:spPr>
+          <a:xfrm flipH="1">
+            <a:off x="3428999" y="3818945"/>
+            <a:ext cx="1" cy="421444"/>
+          </a:xfrm>
+          <a:prstGeom prst="line">
+            <a:avLst/>
+          </a:prstGeom>
+          <a:ln w="38100">
+            <a:solidFill>
+              <a:schemeClr val="accent5"/>
+            </a:solidFill>
+          </a:ln>
+          <a:effectLst>
+            <a:outerShdw blurRad="63500" sx="102000" sy="102000" algn="ctr" rotWithShape="0">
+              <a:prstClr val="black">
+                <a:alpha val="40000"/>
+              </a:prstClr>
+            </a:outerShdw>
+          </a:effectLst>
+        </p:spPr>
+        <p:style>
+          <a:lnRef idx="1">
+            <a:schemeClr val="accent1"/>
+          </a:lnRef>
+          <a:fillRef idx="0">
+            <a:schemeClr val="accent1"/>
+          </a:fillRef>
+          <a:effectRef idx="0">
+            <a:schemeClr val="accent1"/>
+          </a:effectRef>
+          <a:fontRef idx="minor">
+            <a:schemeClr val="tx1"/>
+          </a:fontRef>
+        </p:style>
+      </p:cxnSp>
+      <p:cxnSp>
+        <p:nvCxnSpPr>
+          <p:cNvPr id="14" name="직선 연결선 13">
+            <a:extLst>
+              <a:ext uri="{FF2B5EF4-FFF2-40B4-BE49-F238E27FC236}">
+                <a16:creationId xmlns:a16="http://schemas.microsoft.com/office/drawing/2014/main" id="{CDF540F3-8F21-34A2-9CBA-92DDB958F6A7}"/>
+              </a:ext>
+            </a:extLst>
+          </p:cNvPr>
+          <p:cNvCxnSpPr>
+            <a:cxnSpLocks/>
+          </p:cNvCxnSpPr>
+          <p:nvPr/>
+        </p:nvCxnSpPr>
+        <p:spPr>
+          <a:xfrm flipH="1">
+            <a:off x="1909178" y="4240389"/>
+            <a:ext cx="1519821" cy="0"/>
+          </a:xfrm>
+          <a:prstGeom prst="line">
+            <a:avLst/>
+          </a:prstGeom>
+          <a:ln w="38100">
+            <a:solidFill>
+              <a:schemeClr val="accent5"/>
+            </a:solidFill>
+          </a:ln>
+          <a:effectLst>
+            <a:outerShdw blurRad="63500" sx="102000" sy="102000" algn="ctr" rotWithShape="0">
+              <a:prstClr val="black">
+                <a:alpha val="40000"/>
+              </a:prstClr>
+            </a:outerShdw>
+          </a:effectLst>
+        </p:spPr>
+        <p:style>
+          <a:lnRef idx="1">
+            <a:schemeClr val="accent1"/>
+          </a:lnRef>
+          <a:fillRef idx="0">
+            <a:schemeClr val="accent1"/>
+          </a:fillRef>
+          <a:effectRef idx="0">
+            <a:schemeClr val="accent1"/>
+          </a:effectRef>
+          <a:fontRef idx="minor">
+            <a:schemeClr val="tx1"/>
+          </a:fontRef>
+        </p:style>
+      </p:cxnSp>
+      <p:cxnSp>
+        <p:nvCxnSpPr>
+          <p:cNvPr id="31" name="직선 연결선 30">
+            <a:extLst>
+              <a:ext uri="{FF2B5EF4-FFF2-40B4-BE49-F238E27FC236}">
+                <a16:creationId xmlns:a16="http://schemas.microsoft.com/office/drawing/2014/main" id="{D9539513-D5CE-64F5-04D2-322FD48A2C21}"/>
+              </a:ext>
+            </a:extLst>
+          </p:cNvPr>
+          <p:cNvCxnSpPr>
+            <a:cxnSpLocks/>
+            <a:stCxn id="4" idx="0"/>
+          </p:cNvCxnSpPr>
+          <p:nvPr/>
+        </p:nvCxnSpPr>
+        <p:spPr>
+          <a:xfrm flipV="1">
+            <a:off x="1909178" y="4240389"/>
+            <a:ext cx="0" cy="261604"/>
+          </a:xfrm>
+          <a:prstGeom prst="line">
+            <a:avLst/>
+          </a:prstGeom>
+          <a:ln w="38100">
+            <a:solidFill>
+              <a:schemeClr val="accent5"/>
+            </a:solidFill>
+          </a:ln>
+          <a:effectLst>
+            <a:outerShdw blurRad="63500" sx="102000" sy="102000" algn="ctr" rotWithShape="0">
+              <a:prstClr val="black">
+                <a:alpha val="40000"/>
+              </a:prstClr>
+            </a:outerShdw>
+          </a:effectLst>
+        </p:spPr>
+        <p:style>
+          <a:lnRef idx="1">
+            <a:schemeClr val="accent1"/>
+          </a:lnRef>
+          <a:fillRef idx="0">
+            <a:schemeClr val="accent1"/>
+          </a:fillRef>
+          <a:effectRef idx="0">
+            <a:schemeClr val="accent1"/>
+          </a:effectRef>
+          <a:fontRef idx="minor">
+            <a:schemeClr val="tx1"/>
+          </a:fontRef>
+        </p:style>
+      </p:cxnSp>
+      <p:cxnSp>
+        <p:nvCxnSpPr>
+          <p:cNvPr id="34" name="직선 연결선 33">
+            <a:extLst>
+              <a:ext uri="{FF2B5EF4-FFF2-40B4-BE49-F238E27FC236}">
+                <a16:creationId xmlns:a16="http://schemas.microsoft.com/office/drawing/2014/main" id="{D27159AA-EA85-36C7-7CC6-CE08D6913EA8}"/>
+              </a:ext>
+            </a:extLst>
+          </p:cNvPr>
+          <p:cNvCxnSpPr>
+            <a:cxnSpLocks/>
+          </p:cNvCxnSpPr>
+          <p:nvPr/>
+        </p:nvCxnSpPr>
+        <p:spPr>
+          <a:xfrm flipH="1">
+            <a:off x="3428999" y="4240389"/>
+            <a:ext cx="1519821" cy="0"/>
+          </a:xfrm>
+          <a:prstGeom prst="line">
+            <a:avLst/>
+          </a:prstGeom>
+          <a:ln w="38100">
+            <a:solidFill>
+              <a:schemeClr val="accent5"/>
+            </a:solidFill>
+          </a:ln>
+          <a:effectLst>
+            <a:outerShdw blurRad="63500" sx="102000" sy="102000" algn="ctr" rotWithShape="0">
+              <a:prstClr val="black">
+                <a:alpha val="40000"/>
+              </a:prstClr>
+            </a:outerShdw>
+          </a:effectLst>
+        </p:spPr>
+        <p:style>
+          <a:lnRef idx="1">
+            <a:schemeClr val="accent1"/>
+          </a:lnRef>
+          <a:fillRef idx="0">
+            <a:schemeClr val="accent1"/>
+          </a:fillRef>
+          <a:effectRef idx="0">
+            <a:schemeClr val="accent1"/>
+          </a:effectRef>
+          <a:fontRef idx="minor">
+            <a:schemeClr val="tx1"/>
+          </a:fontRef>
+        </p:style>
+      </p:cxnSp>
+      <p:cxnSp>
+        <p:nvCxnSpPr>
+          <p:cNvPr id="35" name="직선 연결선 34">
+            <a:extLst>
+              <a:ext uri="{FF2B5EF4-FFF2-40B4-BE49-F238E27FC236}">
+                <a16:creationId xmlns:a16="http://schemas.microsoft.com/office/drawing/2014/main" id="{6833A776-C679-3BA6-69DB-A548DFBC4F19}"/>
+              </a:ext>
+            </a:extLst>
+          </p:cNvPr>
+          <p:cNvCxnSpPr>
+            <a:cxnSpLocks/>
+          </p:cNvCxnSpPr>
+          <p:nvPr/>
+        </p:nvCxnSpPr>
+        <p:spPr>
+          <a:xfrm flipV="1">
+            <a:off x="4948820" y="4240389"/>
+            <a:ext cx="0" cy="261604"/>
+          </a:xfrm>
+          <a:prstGeom prst="line">
+            <a:avLst/>
+          </a:prstGeom>
+          <a:ln w="38100">
+            <a:solidFill>
+              <a:schemeClr val="accent5"/>
+            </a:solidFill>
+          </a:ln>
+          <a:effectLst>
+            <a:outerShdw blurRad="63500" sx="102000" sy="102000" algn="ctr" rotWithShape="0">
+              <a:prstClr val="black">
+                <a:alpha val="40000"/>
+              </a:prstClr>
+            </a:outerShdw>
+          </a:effectLst>
+        </p:spPr>
+        <p:style>
+          <a:lnRef idx="1">
+            <a:schemeClr val="accent1"/>
+          </a:lnRef>
+          <a:fillRef idx="0">
+            <a:schemeClr val="accent1"/>
+          </a:fillRef>
+          <a:effectRef idx="0">
+            <a:schemeClr val="accent1"/>
+          </a:effectRef>
+          <a:fontRef idx="minor">
+            <a:schemeClr val="tx1"/>
+          </a:fontRef>
+        </p:style>
+      </p:cxnSp>
+      <p:cxnSp>
+        <p:nvCxnSpPr>
+          <p:cNvPr id="36" name="직선 연결선 35">
+            <a:extLst>
+              <a:ext uri="{FF2B5EF4-FFF2-40B4-BE49-F238E27FC236}">
+                <a16:creationId xmlns:a16="http://schemas.microsoft.com/office/drawing/2014/main" id="{8686D28B-AB2C-52CF-91E0-F4169C2BF887}"/>
+              </a:ext>
+            </a:extLst>
+          </p:cNvPr>
+          <p:cNvCxnSpPr>
+            <a:cxnSpLocks/>
+          </p:cNvCxnSpPr>
+          <p:nvPr/>
+        </p:nvCxnSpPr>
+        <p:spPr>
+          <a:xfrm flipV="1">
+            <a:off x="1909178" y="6053715"/>
+            <a:ext cx="0" cy="261604"/>
+          </a:xfrm>
+          <a:prstGeom prst="line">
+            <a:avLst/>
+          </a:prstGeom>
+          <a:ln w="38100">
+            <a:solidFill>
+              <a:schemeClr val="accent5"/>
+            </a:solidFill>
+          </a:ln>
+          <a:effectLst>
+            <a:outerShdw blurRad="63500" sx="102000" sy="102000" algn="ctr" rotWithShape="0">
+              <a:prstClr val="black">
+                <a:alpha val="40000"/>
+              </a:prstClr>
+            </a:outerShdw>
+          </a:effectLst>
+        </p:spPr>
+        <p:style>
+          <a:lnRef idx="1">
+            <a:schemeClr val="accent1"/>
+          </a:lnRef>
+          <a:fillRef idx="0">
+            <a:schemeClr val="accent1"/>
+          </a:fillRef>
+          <a:effectRef idx="0">
+            <a:schemeClr val="accent1"/>
+          </a:effectRef>
+          <a:fontRef idx="minor">
+            <a:schemeClr val="tx1"/>
+          </a:fontRef>
+        </p:style>
+      </p:cxnSp>
+      <p:cxnSp>
+        <p:nvCxnSpPr>
+          <p:cNvPr id="37" name="직선 연결선 36">
+            <a:extLst>
+              <a:ext uri="{FF2B5EF4-FFF2-40B4-BE49-F238E27FC236}">
+                <a16:creationId xmlns:a16="http://schemas.microsoft.com/office/drawing/2014/main" id="{2B573817-E247-82E5-A0D8-9C0A6551161C}"/>
+              </a:ext>
+            </a:extLst>
+          </p:cNvPr>
+          <p:cNvCxnSpPr>
+            <a:cxnSpLocks/>
+          </p:cNvCxnSpPr>
+          <p:nvPr/>
+        </p:nvCxnSpPr>
+        <p:spPr>
+          <a:xfrm flipV="1">
+            <a:off x="4948820" y="6053715"/>
+            <a:ext cx="0" cy="261604"/>
+          </a:xfrm>
+          <a:prstGeom prst="line">
+            <a:avLst/>
+          </a:prstGeom>
+          <a:ln w="38100">
+            <a:solidFill>
+              <a:schemeClr val="accent5"/>
+            </a:solidFill>
+          </a:ln>
+          <a:effectLst>
+            <a:outerShdw blurRad="63500" sx="102000" sy="102000" algn="ctr" rotWithShape="0">
+              <a:prstClr val="black">
+                <a:alpha val="40000"/>
+              </a:prstClr>
+            </a:outerShdw>
+          </a:effectLst>
+        </p:spPr>
+        <p:style>
+          <a:lnRef idx="1">
+            <a:schemeClr val="accent1"/>
+          </a:lnRef>
+          <a:fillRef idx="0">
+            <a:schemeClr val="accent1"/>
+          </a:fillRef>
+          <a:effectRef idx="0">
+            <a:schemeClr val="accent1"/>
+          </a:effectRef>
+          <a:fontRef idx="minor">
+            <a:schemeClr val="tx1"/>
+          </a:fontRef>
+        </p:style>
+      </p:cxnSp>
+      <p:cxnSp>
+        <p:nvCxnSpPr>
+          <p:cNvPr id="38" name="직선 연결선 37">
+            <a:extLst>
+              <a:ext uri="{FF2B5EF4-FFF2-40B4-BE49-F238E27FC236}">
+                <a16:creationId xmlns:a16="http://schemas.microsoft.com/office/drawing/2014/main" id="{B26CA2EE-F886-2000-8592-9BFBFCA15626}"/>
+              </a:ext>
+            </a:extLst>
+          </p:cNvPr>
+          <p:cNvCxnSpPr>
+            <a:cxnSpLocks/>
+          </p:cNvCxnSpPr>
+          <p:nvPr/>
+        </p:nvCxnSpPr>
+        <p:spPr>
+          <a:xfrm>
+            <a:off x="3428999" y="6315318"/>
+            <a:ext cx="0" cy="438987"/>
+          </a:xfrm>
+          <a:prstGeom prst="line">
+            <a:avLst/>
+          </a:prstGeom>
+          <a:ln w="38100">
+            <a:solidFill>
+              <a:schemeClr val="accent5"/>
+            </a:solidFill>
+          </a:ln>
+          <a:effectLst>
+            <a:outerShdw blurRad="63500" sx="102000" sy="102000" algn="ctr" rotWithShape="0">
+              <a:prstClr val="black">
+                <a:alpha val="40000"/>
+              </a:prstClr>
+            </a:outerShdw>
+          </a:effectLst>
+        </p:spPr>
+        <p:style>
+          <a:lnRef idx="1">
+            <a:schemeClr val="accent1"/>
+          </a:lnRef>
+          <a:fillRef idx="0">
+            <a:schemeClr val="accent1"/>
+          </a:fillRef>
+          <a:effectRef idx="0">
+            <a:schemeClr val="accent1"/>
+          </a:effectRef>
+          <a:fontRef idx="minor">
+            <a:schemeClr val="tx1"/>
+          </a:fontRef>
+        </p:style>
+      </p:cxnSp>
+      <p:cxnSp>
+        <p:nvCxnSpPr>
+          <p:cNvPr id="39" name="직선 연결선 38">
+            <a:extLst>
+              <a:ext uri="{FF2B5EF4-FFF2-40B4-BE49-F238E27FC236}">
+                <a16:creationId xmlns:a16="http://schemas.microsoft.com/office/drawing/2014/main" id="{BC0D1D46-E087-92F3-B438-5344B2CE950D}"/>
+              </a:ext>
+            </a:extLst>
+          </p:cNvPr>
+          <p:cNvCxnSpPr>
+            <a:cxnSpLocks/>
+          </p:cNvCxnSpPr>
+          <p:nvPr/>
+        </p:nvCxnSpPr>
+        <p:spPr>
+          <a:xfrm flipH="1">
+            <a:off x="1909178" y="6315319"/>
+            <a:ext cx="1519821" cy="0"/>
+          </a:xfrm>
+          <a:prstGeom prst="line">
+            <a:avLst/>
+          </a:prstGeom>
+          <a:ln w="38100">
+            <a:solidFill>
+              <a:schemeClr val="accent5"/>
+            </a:solidFill>
+          </a:ln>
+          <a:effectLst>
+            <a:outerShdw blurRad="63500" sx="102000" sy="102000" algn="ctr" rotWithShape="0">
+              <a:prstClr val="black">
+                <a:alpha val="40000"/>
+              </a:prstClr>
+            </a:outerShdw>
+          </a:effectLst>
+        </p:spPr>
+        <p:style>
+          <a:lnRef idx="1">
+            <a:schemeClr val="accent1"/>
+          </a:lnRef>
+          <a:fillRef idx="0">
+            <a:schemeClr val="accent1"/>
+          </a:fillRef>
+          <a:effectRef idx="0">
+            <a:schemeClr val="accent1"/>
+          </a:effectRef>
+          <a:fontRef idx="minor">
+            <a:schemeClr val="tx1"/>
+          </a:fontRef>
+        </p:style>
+      </p:cxnSp>
+      <p:cxnSp>
+        <p:nvCxnSpPr>
+          <p:cNvPr id="40" name="직선 연결선 39">
+            <a:extLst>
+              <a:ext uri="{FF2B5EF4-FFF2-40B4-BE49-F238E27FC236}">
+                <a16:creationId xmlns:a16="http://schemas.microsoft.com/office/drawing/2014/main" id="{42DA9178-B4C1-51DF-26EF-6CA0A2FF5EFE}"/>
+              </a:ext>
+            </a:extLst>
+          </p:cNvPr>
+          <p:cNvCxnSpPr>
+            <a:cxnSpLocks/>
+          </p:cNvCxnSpPr>
+          <p:nvPr/>
+        </p:nvCxnSpPr>
+        <p:spPr>
+          <a:xfrm flipH="1">
+            <a:off x="3428999" y="6315319"/>
+            <a:ext cx="1519821" cy="0"/>
+          </a:xfrm>
+          <a:prstGeom prst="line">
+            <a:avLst/>
+          </a:prstGeom>
+          <a:ln w="38100">
+            <a:solidFill>
+              <a:schemeClr val="accent5"/>
+            </a:solidFill>
+          </a:ln>
+          <a:effectLst>
+            <a:outerShdw blurRad="63500" sx="102000" sy="102000" algn="ctr" rotWithShape="0">
+              <a:prstClr val="black">
+                <a:alpha val="40000"/>
+              </a:prstClr>
+            </a:outerShdw>
+          </a:effectLst>
+        </p:spPr>
+        <p:style>
+          <a:lnRef idx="1">
+            <a:schemeClr val="accent1"/>
+          </a:lnRef>
+          <a:fillRef idx="0">
+            <a:schemeClr val="accent1"/>
+          </a:fillRef>
+          <a:effectRef idx="0">
+            <a:schemeClr val="accent1"/>
+          </a:effectRef>
+          <a:fontRef idx="minor">
+            <a:schemeClr val="tx1"/>
+          </a:fontRef>
+        </p:style>
+      </p:cxnSp>
+      <p:cxnSp>
+        <p:nvCxnSpPr>
+          <p:cNvPr id="42" name="직선 연결선 41">
+            <a:extLst>
+              <a:ext uri="{FF2B5EF4-FFF2-40B4-BE49-F238E27FC236}">
+                <a16:creationId xmlns:a16="http://schemas.microsoft.com/office/drawing/2014/main" id="{6907716E-5CF6-A5E0-53CD-58C39170BF87}"/>
+              </a:ext>
+            </a:extLst>
+          </p:cNvPr>
+          <p:cNvCxnSpPr>
+            <a:cxnSpLocks/>
+            <a:stCxn id="6" idx="2"/>
+            <a:endCxn id="7" idx="0"/>
+          </p:cNvCxnSpPr>
+          <p:nvPr/>
+        </p:nvCxnSpPr>
+        <p:spPr>
+          <a:xfrm>
+            <a:off x="3429000" y="8055338"/>
+            <a:ext cx="0" cy="421444"/>
+          </a:xfrm>
+          <a:prstGeom prst="line">
+            <a:avLst/>
+          </a:prstGeom>
+          <a:ln w="38100">
+            <a:solidFill>
+              <a:schemeClr val="accent5"/>
+            </a:solidFill>
+          </a:ln>
+          <a:effectLst>
+            <a:outerShdw blurRad="63500" sx="102000" sy="102000" algn="ctr" rotWithShape="0">
+              <a:prstClr val="black">
+                <a:alpha val="40000"/>
+              </a:prstClr>
+            </a:outerShdw>
+          </a:effectLst>
+        </p:spPr>
+        <p:style>
+          <a:lnRef idx="1">
+            <a:schemeClr val="accent1"/>
+          </a:lnRef>
+          <a:fillRef idx="0">
+            <a:schemeClr val="accent1"/>
+          </a:fillRef>
+          <a:effectRef idx="0">
+            <a:schemeClr val="accent1"/>
+          </a:effectRef>
+          <a:fontRef idx="minor">
+            <a:schemeClr val="tx1"/>
+          </a:fontRef>
+        </p:style>
+      </p:cxnSp>
+      <p:sp>
+        <p:nvSpPr>
+          <p:cNvPr id="2" name="직사각형 1">
+            <a:extLst>
+              <a:ext uri="{FF2B5EF4-FFF2-40B4-BE49-F238E27FC236}">
+                <a16:creationId xmlns:a16="http://schemas.microsoft.com/office/drawing/2014/main" id="{BB851F98-DE38-8F54-4D21-06AD5A72094E}"/>
+              </a:ext>
+            </a:extLst>
+          </p:cNvPr>
+          <p:cNvSpPr/>
+          <p:nvPr/>
+        </p:nvSpPr>
+        <p:spPr>
+          <a:xfrm>
+            <a:off x="1593760" y="268044"/>
+            <a:ext cx="3670479" cy="1556519"/>
+          </a:xfrm>
+          <a:prstGeom prst="rect">
+            <a:avLst/>
+          </a:prstGeom>
+          <a:solidFill>
+            <a:schemeClr val="accent6"/>
+          </a:solidFill>
+          <a:ln w="57150">
+            <a:solidFill>
+              <a:schemeClr val="bg2"/>
+            </a:solidFill>
+          </a:ln>
+          <a:effectLst>
+            <a:outerShdw blurRad="63500" sx="102000" sy="102000" algn="ctr" rotWithShape="0">
+              <a:prstClr val="black">
+                <a:alpha val="40000"/>
+              </a:prstClr>
+            </a:outerShdw>
+          </a:effectLst>
+        </p:spPr>
+        <p:style>
+          <a:lnRef idx="2">
+            <a:schemeClr val="accent1">
+              <a:shade val="15000"/>
+            </a:schemeClr>
+          </a:lnRef>
+          <a:fillRef idx="1">
+            <a:schemeClr val="accent1"/>
+          </a:fillRef>
+          <a:effectRef idx="0">
+            <a:schemeClr val="accent1"/>
+          </a:effectRef>
+          <a:fontRef idx="minor">
+            <a:schemeClr val="lt1"/>
+          </a:fontRef>
+        </p:style>
+        <p:txBody>
+          <a:bodyPr rtlCol="0" anchor="ctr"/>
+          <a:lstStyle/>
+          <a:p>
+            <a:pPr algn="ctr"/>
+            <a:r>
+              <a:rPr lang="ko-KR" altLang="en-US" sz="2200" dirty="0">
+                <a:effectLst>
+                  <a:outerShdw blurRad="38100" dist="38100" dir="2700000" algn="tl">
+                    <a:srgbClr val="000000">
+                      <a:alpha val="43137"/>
+                    </a:srgbClr>
+                  </a:outerShdw>
+                </a:effectLst>
+                <a:latin typeface="Pretendard SemiBold" panose="02000703000000020004" pitchFamily="2" charset="-127"/>
+                <a:ea typeface="Pretendard SemiBold" panose="02000703000000020004" pitchFamily="2" charset="-127"/>
+                <a:cs typeface="Pretendard SemiBold" panose="02000703000000020004" pitchFamily="2" charset="-127"/>
+              </a:rPr>
+              <a:t>떨어지는 주행로봇이 특정 행동을 통해 자세를 제어할 수 없을까</a:t>
+            </a:r>
+            <a:r>
+              <a:rPr lang="en-US" altLang="ko-KR" sz="2200" dirty="0">
+                <a:effectLst>
+                  <a:outerShdw blurRad="38100" dist="38100" dir="2700000" algn="tl">
+                    <a:srgbClr val="000000">
+                      <a:alpha val="43137"/>
+                    </a:srgbClr>
+                  </a:outerShdw>
+                </a:effectLst>
+                <a:latin typeface="Pretendard SemiBold" panose="02000703000000020004" pitchFamily="2" charset="-127"/>
+                <a:ea typeface="Pretendard SemiBold" panose="02000703000000020004" pitchFamily="2" charset="-127"/>
+                <a:cs typeface="Pretendard SemiBold" panose="02000703000000020004" pitchFamily="2" charset="-127"/>
+              </a:rPr>
+              <a:t>?</a:t>
+            </a:r>
+          </a:p>
+        </p:txBody>
+      </p:sp>
+      <p:sp>
+        <p:nvSpPr>
+          <p:cNvPr id="3" name="다이아몬드 2">
+            <a:extLst>
+              <a:ext uri="{FF2B5EF4-FFF2-40B4-BE49-F238E27FC236}">
+                <a16:creationId xmlns:a16="http://schemas.microsoft.com/office/drawing/2014/main" id="{1B9D1E76-CD9A-C98E-06CA-4D57F862380E}"/>
+              </a:ext>
+            </a:extLst>
+          </p:cNvPr>
+          <p:cNvSpPr/>
+          <p:nvPr/>
+        </p:nvSpPr>
+        <p:spPr>
+          <a:xfrm>
+            <a:off x="1570865" y="2154047"/>
+            <a:ext cx="3716270" cy="1664898"/>
+          </a:xfrm>
+          <a:prstGeom prst="diamond">
+            <a:avLst/>
+          </a:prstGeom>
+          <a:solidFill>
+            <a:schemeClr val="bg1"/>
+          </a:solidFill>
+          <a:ln w="38100">
+            <a:solidFill>
+              <a:schemeClr val="accent2"/>
+            </a:solidFill>
+          </a:ln>
+          <a:effectLst>
+            <a:outerShdw blurRad="63500" sx="102000" sy="102000" algn="ctr" rotWithShape="0">
+              <a:prstClr val="black">
+                <a:alpha val="40000"/>
+              </a:prstClr>
+            </a:outerShdw>
+          </a:effectLst>
+        </p:spPr>
+        <p:style>
+          <a:lnRef idx="2">
+            <a:schemeClr val="accent1">
+              <a:shade val="15000"/>
+            </a:schemeClr>
+          </a:lnRef>
+          <a:fillRef idx="1">
+            <a:schemeClr val="accent1"/>
+          </a:fillRef>
+          <a:effectRef idx="0">
+            <a:schemeClr val="accent1"/>
+          </a:effectRef>
+          <a:fontRef idx="minor">
+            <a:schemeClr val="lt1"/>
+          </a:fontRef>
+        </p:style>
+        <p:txBody>
+          <a:bodyPr rtlCol="0" anchor="ctr"/>
+          <a:lstStyle/>
+          <a:p>
+            <a:pPr algn="ctr"/>
+            <a:r>
+              <a:rPr lang="ko-KR" altLang="en-US" sz="2400" dirty="0">
+                <a:solidFill>
+                  <a:schemeClr val="tx1"/>
+                </a:solidFill>
+                <a:effectLst>
+                  <a:outerShdw blurRad="38100" dist="38100" dir="2700000" algn="tl">
+                    <a:srgbClr val="000000">
+                      <a:alpha val="43137"/>
+                    </a:srgbClr>
+                  </a:outerShdw>
+                </a:effectLst>
+                <a:latin typeface="Pretendard SemiBold" panose="02000703000000020004" pitchFamily="2" charset="-127"/>
+                <a:ea typeface="Pretendard SemiBold" panose="02000703000000020004" pitchFamily="2" charset="-127"/>
+                <a:cs typeface="Pretendard SemiBold" panose="02000703000000020004" pitchFamily="2" charset="-127"/>
+              </a:rPr>
+              <a:t>자동차 낙하 과정 파악</a:t>
+            </a:r>
+          </a:p>
+        </p:txBody>
+      </p:sp>
+      <p:sp>
+        <p:nvSpPr>
+          <p:cNvPr id="4" name="직사각형 3">
+            <a:extLst>
+              <a:ext uri="{FF2B5EF4-FFF2-40B4-BE49-F238E27FC236}">
+                <a16:creationId xmlns:a16="http://schemas.microsoft.com/office/drawing/2014/main" id="{CFFC3FFB-1373-8BBD-C4D5-CD72F2F7E2B3}"/>
+              </a:ext>
+            </a:extLst>
+          </p:cNvPr>
+          <p:cNvSpPr/>
+          <p:nvPr/>
+        </p:nvSpPr>
+        <p:spPr>
+          <a:xfrm>
+            <a:off x="508000" y="4501993"/>
+            <a:ext cx="2802355" cy="1585063"/>
+          </a:xfrm>
+          <a:prstGeom prst="rect">
+            <a:avLst/>
+          </a:prstGeom>
+          <a:solidFill>
+            <a:schemeClr val="accent4">
+              <a:lumMod val="60000"/>
+              <a:lumOff val="40000"/>
+            </a:schemeClr>
+          </a:solidFill>
+          <a:ln w="57150">
+            <a:solidFill>
+              <a:schemeClr val="bg1"/>
+            </a:solidFill>
+          </a:ln>
+          <a:effectLst>
+            <a:outerShdw blurRad="63500" sx="102000" sy="102000" algn="ctr" rotWithShape="0">
+              <a:prstClr val="black">
+                <a:alpha val="40000"/>
+              </a:prstClr>
+            </a:outerShdw>
+          </a:effectLst>
+        </p:spPr>
+        <p:style>
+          <a:lnRef idx="2">
+            <a:schemeClr val="accent1">
+              <a:shade val="15000"/>
+            </a:schemeClr>
+          </a:lnRef>
+          <a:fillRef idx="1">
+            <a:schemeClr val="accent1"/>
+          </a:fillRef>
+          <a:effectRef idx="0">
+            <a:schemeClr val="accent1"/>
+          </a:effectRef>
+          <a:fontRef idx="minor">
+            <a:schemeClr val="lt1"/>
+          </a:fontRef>
+        </p:style>
+        <p:txBody>
+          <a:bodyPr rtlCol="0" anchor="ctr"/>
+          <a:lstStyle/>
+          <a:p>
+            <a:pPr algn="ctr"/>
+            <a:r>
+              <a:rPr lang="en-US" altLang="ko-KR" sz="2200" dirty="0">
+                <a:effectLst>
+                  <a:outerShdw blurRad="38100" dist="38100" dir="2700000" algn="tl">
+                    <a:srgbClr val="000000">
+                      <a:alpha val="43137"/>
+                    </a:srgbClr>
+                  </a:outerShdw>
+                </a:effectLst>
+                <a:latin typeface="Pretendard SemiBold" panose="02000703000000020004" pitchFamily="2" charset="-127"/>
+                <a:ea typeface="Pretendard SemiBold" panose="02000703000000020004" pitchFamily="2" charset="-127"/>
+                <a:cs typeface="Pretendard SemiBold" panose="02000703000000020004" pitchFamily="2" charset="-127"/>
+              </a:rPr>
+              <a:t>[</a:t>
+            </a:r>
+            <a:r>
+              <a:rPr lang="ko-KR" altLang="en-US" sz="2200" dirty="0">
+                <a:effectLst>
+                  <a:outerShdw blurRad="38100" dist="38100" dir="2700000" algn="tl">
+                    <a:srgbClr val="000000">
+                      <a:alpha val="43137"/>
+                    </a:srgbClr>
+                  </a:outerShdw>
+                </a:effectLst>
+                <a:latin typeface="Pretendard SemiBold" panose="02000703000000020004" pitchFamily="2" charset="-127"/>
+                <a:ea typeface="Pretendard SemiBold" panose="02000703000000020004" pitchFamily="2" charset="-127"/>
+                <a:cs typeface="Pretendard SemiBold" panose="02000703000000020004" pitchFamily="2" charset="-127"/>
+              </a:rPr>
+              <a:t>과제 </a:t>
+            </a:r>
+            <a:r>
+              <a:rPr lang="en-US" altLang="ko-KR" sz="2200" dirty="0">
+                <a:effectLst>
+                  <a:outerShdw blurRad="38100" dist="38100" dir="2700000" algn="tl">
+                    <a:srgbClr val="000000">
+                      <a:alpha val="43137"/>
+                    </a:srgbClr>
+                  </a:outerShdw>
+                </a:effectLst>
+                <a:latin typeface="Pretendard SemiBold" panose="02000703000000020004" pitchFamily="2" charset="-127"/>
+                <a:ea typeface="Pretendard SemiBold" panose="02000703000000020004" pitchFamily="2" charset="-127"/>
+                <a:cs typeface="Pretendard SemiBold" panose="02000703000000020004" pitchFamily="2" charset="-127"/>
+              </a:rPr>
+              <a:t>1]</a:t>
+            </a:r>
+          </a:p>
+          <a:p>
+            <a:pPr algn="ctr"/>
+            <a:endParaRPr lang="en-US" altLang="ko-KR" sz="500" dirty="0">
+              <a:effectLst>
+                <a:outerShdw blurRad="38100" dist="38100" dir="2700000" algn="tl">
+                  <a:srgbClr val="000000">
+                    <a:alpha val="43137"/>
+                  </a:srgbClr>
+                </a:outerShdw>
+              </a:effectLst>
+              <a:latin typeface="Pretendard SemiBold" panose="02000703000000020004" pitchFamily="2" charset="-127"/>
+              <a:ea typeface="Pretendard SemiBold" panose="02000703000000020004" pitchFamily="2" charset="-127"/>
+              <a:cs typeface="Pretendard SemiBold" panose="02000703000000020004" pitchFamily="2" charset="-127"/>
+            </a:endParaRPr>
+          </a:p>
+          <a:p>
+            <a:pPr algn="ctr"/>
+            <a:r>
+              <a:rPr lang="ko-KR" altLang="en-US" sz="2200" dirty="0">
+                <a:solidFill>
+                  <a:srgbClr val="FF0000"/>
+                </a:solidFill>
+                <a:effectLst>
+                  <a:outerShdw blurRad="38100" dist="38100" dir="2700000" algn="tl">
+                    <a:srgbClr val="000000">
+                      <a:alpha val="43137"/>
+                    </a:srgbClr>
+                  </a:outerShdw>
+                </a:effectLst>
+                <a:latin typeface="Pretendard SemiBold" panose="02000703000000020004" pitchFamily="2" charset="-127"/>
+                <a:ea typeface="Pretendard SemiBold" panose="02000703000000020004" pitchFamily="2" charset="-127"/>
+                <a:cs typeface="Pretendard SemiBold" panose="02000703000000020004" pitchFamily="2" charset="-127"/>
+              </a:rPr>
+              <a:t>바퀴의 각운동량 보존</a:t>
+            </a:r>
+            <a:r>
+              <a:rPr lang="ko-KR" altLang="en-US" sz="2200" dirty="0">
+                <a:effectLst>
+                  <a:outerShdw blurRad="38100" dist="38100" dir="2700000" algn="tl">
+                    <a:srgbClr val="000000">
+                      <a:alpha val="43137"/>
+                    </a:srgbClr>
+                  </a:outerShdw>
+                </a:effectLst>
+                <a:latin typeface="Pretendard SemiBold" panose="02000703000000020004" pitchFamily="2" charset="-127"/>
+                <a:ea typeface="Pretendard SemiBold" panose="02000703000000020004" pitchFamily="2" charset="-127"/>
+                <a:cs typeface="Pretendard SemiBold" panose="02000703000000020004" pitchFamily="2" charset="-127"/>
+              </a:rPr>
+              <a:t>을 이용한 자세 제어</a:t>
+            </a:r>
+          </a:p>
+        </p:txBody>
+      </p:sp>
+      <p:sp>
+        <p:nvSpPr>
+          <p:cNvPr id="5" name="직사각형 4">
+            <a:extLst>
+              <a:ext uri="{FF2B5EF4-FFF2-40B4-BE49-F238E27FC236}">
+                <a16:creationId xmlns:a16="http://schemas.microsoft.com/office/drawing/2014/main" id="{12303543-B0B5-4A68-0041-F8F9B16D29AD}"/>
+              </a:ext>
+            </a:extLst>
+          </p:cNvPr>
+          <p:cNvSpPr/>
+          <p:nvPr/>
+        </p:nvSpPr>
+        <p:spPr>
+          <a:xfrm>
+            <a:off x="3570513" y="4501993"/>
+            <a:ext cx="2802354" cy="1585063"/>
+          </a:xfrm>
+          <a:prstGeom prst="rect">
+            <a:avLst/>
+          </a:prstGeom>
+          <a:solidFill>
+            <a:schemeClr val="accent4">
+              <a:lumMod val="60000"/>
+              <a:lumOff val="40000"/>
+            </a:schemeClr>
+          </a:solidFill>
+          <a:ln w="57150">
+            <a:solidFill>
+              <a:schemeClr val="bg1"/>
+            </a:solidFill>
+          </a:ln>
+          <a:effectLst>
+            <a:outerShdw blurRad="63500" sx="102000" sy="102000" algn="ctr" rotWithShape="0">
+              <a:prstClr val="black">
+                <a:alpha val="40000"/>
+              </a:prstClr>
+            </a:outerShdw>
+          </a:effectLst>
+        </p:spPr>
+        <p:style>
+          <a:lnRef idx="2">
+            <a:schemeClr val="accent1">
+              <a:shade val="15000"/>
+            </a:schemeClr>
+          </a:lnRef>
+          <a:fillRef idx="1">
+            <a:schemeClr val="accent1"/>
+          </a:fillRef>
+          <a:effectRef idx="0">
+            <a:schemeClr val="accent1"/>
+          </a:effectRef>
+          <a:fontRef idx="minor">
+            <a:schemeClr val="lt1"/>
+          </a:fontRef>
+        </p:style>
+        <p:txBody>
+          <a:bodyPr rtlCol="0" anchor="ctr"/>
+          <a:lstStyle/>
+          <a:p>
+            <a:pPr algn="ctr"/>
+            <a:r>
+              <a:rPr lang="en-US" altLang="ko-KR" sz="2200" dirty="0">
+                <a:effectLst>
+                  <a:outerShdw blurRad="38100" dist="38100" dir="2700000" algn="tl">
+                    <a:srgbClr val="000000">
+                      <a:alpha val="43137"/>
+                    </a:srgbClr>
+                  </a:outerShdw>
+                </a:effectLst>
+                <a:latin typeface="Pretendard SemiBold" panose="02000703000000020004" pitchFamily="2" charset="-127"/>
+                <a:ea typeface="Pretendard SemiBold" panose="02000703000000020004" pitchFamily="2" charset="-127"/>
+                <a:cs typeface="Pretendard SemiBold" panose="02000703000000020004" pitchFamily="2" charset="-127"/>
+              </a:rPr>
+              <a:t>[</a:t>
+            </a:r>
+            <a:r>
+              <a:rPr lang="ko-KR" altLang="en-US" sz="2200" dirty="0">
+                <a:effectLst>
+                  <a:outerShdw blurRad="38100" dist="38100" dir="2700000" algn="tl">
+                    <a:srgbClr val="000000">
+                      <a:alpha val="43137"/>
+                    </a:srgbClr>
+                  </a:outerShdw>
+                </a:effectLst>
+                <a:latin typeface="Pretendard SemiBold" panose="02000703000000020004" pitchFamily="2" charset="-127"/>
+                <a:ea typeface="Pretendard SemiBold" panose="02000703000000020004" pitchFamily="2" charset="-127"/>
+                <a:cs typeface="Pretendard SemiBold" panose="02000703000000020004" pitchFamily="2" charset="-127"/>
+              </a:rPr>
+              <a:t>과제 </a:t>
+            </a:r>
+            <a:r>
+              <a:rPr lang="en-US" altLang="ko-KR" sz="2200" dirty="0">
+                <a:effectLst>
+                  <a:outerShdw blurRad="38100" dist="38100" dir="2700000" algn="tl">
+                    <a:srgbClr val="000000">
+                      <a:alpha val="43137"/>
+                    </a:srgbClr>
+                  </a:outerShdw>
+                </a:effectLst>
+                <a:latin typeface="Pretendard SemiBold" panose="02000703000000020004" pitchFamily="2" charset="-127"/>
+                <a:ea typeface="Pretendard SemiBold" panose="02000703000000020004" pitchFamily="2" charset="-127"/>
+                <a:cs typeface="Pretendard SemiBold" panose="02000703000000020004" pitchFamily="2" charset="-127"/>
+              </a:rPr>
+              <a:t>2]</a:t>
+            </a:r>
+          </a:p>
+          <a:p>
+            <a:pPr algn="ctr"/>
+            <a:endParaRPr lang="en-US" altLang="ko-KR" sz="500" dirty="0">
+              <a:effectLst>
+                <a:outerShdw blurRad="38100" dist="38100" dir="2700000" algn="tl">
+                  <a:srgbClr val="000000">
+                    <a:alpha val="43137"/>
+                  </a:srgbClr>
+                </a:outerShdw>
+              </a:effectLst>
+              <a:latin typeface="Pretendard SemiBold" panose="02000703000000020004" pitchFamily="2" charset="-127"/>
+              <a:ea typeface="Pretendard SemiBold" panose="02000703000000020004" pitchFamily="2" charset="-127"/>
+              <a:cs typeface="Pretendard SemiBold" panose="02000703000000020004" pitchFamily="2" charset="-127"/>
+            </a:endParaRPr>
+          </a:p>
+          <a:p>
+            <a:pPr algn="ctr"/>
+            <a:r>
+              <a:rPr lang="ko-KR" altLang="en-US" sz="2200" dirty="0">
+                <a:solidFill>
+                  <a:srgbClr val="FF0000"/>
+                </a:solidFill>
+                <a:effectLst>
+                  <a:outerShdw blurRad="38100" dist="38100" dir="2700000" algn="tl">
+                    <a:srgbClr val="000000">
+                      <a:alpha val="43137"/>
+                    </a:srgbClr>
+                  </a:outerShdw>
+                </a:effectLst>
+                <a:latin typeface="Pretendard SemiBold" panose="02000703000000020004" pitchFamily="2" charset="-127"/>
+                <a:ea typeface="Pretendard SemiBold" panose="02000703000000020004" pitchFamily="2" charset="-127"/>
+                <a:cs typeface="Pretendard SemiBold" panose="02000703000000020004" pitchFamily="2" charset="-127"/>
+              </a:rPr>
+              <a:t>무게 추를 이용</a:t>
+            </a:r>
+            <a:r>
+              <a:rPr lang="ko-KR" altLang="en-US" sz="2200" dirty="0">
+                <a:effectLst>
+                  <a:outerShdw blurRad="38100" dist="38100" dir="2700000" algn="tl">
+                    <a:srgbClr val="000000">
+                      <a:alpha val="43137"/>
+                    </a:srgbClr>
+                  </a:outerShdw>
+                </a:effectLst>
+                <a:latin typeface="Pretendard SemiBold" panose="02000703000000020004" pitchFamily="2" charset="-127"/>
+                <a:ea typeface="Pretendard SemiBold" panose="02000703000000020004" pitchFamily="2" charset="-127"/>
+                <a:cs typeface="Pretendard SemiBold" panose="02000703000000020004" pitchFamily="2" charset="-127"/>
+              </a:rPr>
+              <a:t>한 자세 제어</a:t>
+            </a:r>
+          </a:p>
+        </p:txBody>
+      </p:sp>
+      <p:sp>
+        <p:nvSpPr>
+          <p:cNvPr id="6" name="직사각형 5">
+            <a:extLst>
+              <a:ext uri="{FF2B5EF4-FFF2-40B4-BE49-F238E27FC236}">
+                <a16:creationId xmlns:a16="http://schemas.microsoft.com/office/drawing/2014/main" id="{4803B8C8-5DF9-BE54-07B4-9F629CFD58B2}"/>
+              </a:ext>
+            </a:extLst>
+          </p:cNvPr>
+          <p:cNvSpPr/>
+          <p:nvPr/>
+        </p:nvSpPr>
+        <p:spPr>
+          <a:xfrm>
+            <a:off x="1593760" y="6721616"/>
+            <a:ext cx="3670479" cy="1333722"/>
+          </a:xfrm>
+          <a:prstGeom prst="rect">
+            <a:avLst/>
+          </a:prstGeom>
+          <a:solidFill>
+            <a:schemeClr val="accent4">
+              <a:lumMod val="60000"/>
+              <a:lumOff val="40000"/>
+            </a:schemeClr>
+          </a:solidFill>
+          <a:ln w="57150">
+            <a:solidFill>
+              <a:schemeClr val="bg1"/>
+            </a:solidFill>
+          </a:ln>
+          <a:effectLst>
+            <a:outerShdw blurRad="63500" sx="102000" sy="102000" algn="ctr" rotWithShape="0">
+              <a:prstClr val="black">
+                <a:alpha val="40000"/>
+              </a:prstClr>
+            </a:outerShdw>
+          </a:effectLst>
+        </p:spPr>
+        <p:style>
+          <a:lnRef idx="2">
+            <a:schemeClr val="accent1">
+              <a:shade val="15000"/>
+            </a:schemeClr>
+          </a:lnRef>
+          <a:fillRef idx="1">
+            <a:schemeClr val="accent1"/>
+          </a:fillRef>
+          <a:effectRef idx="0">
+            <a:schemeClr val="accent1"/>
+          </a:effectRef>
+          <a:fontRef idx="minor">
+            <a:schemeClr val="lt1"/>
+          </a:fontRef>
+        </p:style>
+        <p:txBody>
+          <a:bodyPr rtlCol="0" anchor="ctr"/>
+          <a:lstStyle/>
+          <a:p>
+            <a:pPr algn="ctr"/>
+            <a:r>
+              <a:rPr lang="en-US" altLang="ko-KR" sz="2200" dirty="0">
+                <a:effectLst>
+                  <a:outerShdw blurRad="38100" dist="38100" dir="2700000" algn="tl">
+                    <a:srgbClr val="000000">
+                      <a:alpha val="43137"/>
+                    </a:srgbClr>
+                  </a:outerShdw>
+                </a:effectLst>
+                <a:latin typeface="Pretendard SemiBold" panose="02000703000000020004" pitchFamily="2" charset="-127"/>
+                <a:ea typeface="Pretendard SemiBold" panose="02000703000000020004" pitchFamily="2" charset="-127"/>
+                <a:cs typeface="Pretendard SemiBold" panose="02000703000000020004" pitchFamily="2" charset="-127"/>
+              </a:rPr>
+              <a:t>[</a:t>
+            </a:r>
+            <a:r>
+              <a:rPr lang="ko-KR" altLang="en-US" sz="2200" dirty="0">
+                <a:effectLst>
+                  <a:outerShdw blurRad="38100" dist="38100" dir="2700000" algn="tl">
+                    <a:srgbClr val="000000">
+                      <a:alpha val="43137"/>
+                    </a:srgbClr>
+                  </a:outerShdw>
+                </a:effectLst>
+                <a:latin typeface="Pretendard SemiBold" panose="02000703000000020004" pitchFamily="2" charset="-127"/>
+                <a:ea typeface="Pretendard SemiBold" panose="02000703000000020004" pitchFamily="2" charset="-127"/>
+                <a:cs typeface="Pretendard SemiBold" panose="02000703000000020004" pitchFamily="2" charset="-127"/>
+              </a:rPr>
+              <a:t>과제 </a:t>
+            </a:r>
+            <a:r>
+              <a:rPr lang="en-US" altLang="ko-KR" sz="2200" dirty="0">
+                <a:effectLst>
+                  <a:outerShdw blurRad="38100" dist="38100" dir="2700000" algn="tl">
+                    <a:srgbClr val="000000">
+                      <a:alpha val="43137"/>
+                    </a:srgbClr>
+                  </a:outerShdw>
+                </a:effectLst>
+                <a:latin typeface="Pretendard SemiBold" panose="02000703000000020004" pitchFamily="2" charset="-127"/>
+                <a:ea typeface="Pretendard SemiBold" panose="02000703000000020004" pitchFamily="2" charset="-127"/>
+                <a:cs typeface="Pretendard SemiBold" panose="02000703000000020004" pitchFamily="2" charset="-127"/>
+              </a:rPr>
+              <a:t>3]</a:t>
+            </a:r>
+          </a:p>
+          <a:p>
+            <a:pPr algn="ctr"/>
+            <a:endParaRPr lang="en-US" altLang="ko-KR" sz="500" dirty="0">
+              <a:effectLst>
+                <a:outerShdw blurRad="38100" dist="38100" dir="2700000" algn="tl">
+                  <a:srgbClr val="000000">
+                    <a:alpha val="43137"/>
+                  </a:srgbClr>
+                </a:outerShdw>
+              </a:effectLst>
+              <a:latin typeface="Pretendard SemiBold" panose="02000703000000020004" pitchFamily="2" charset="-127"/>
+              <a:ea typeface="Pretendard SemiBold" panose="02000703000000020004" pitchFamily="2" charset="-127"/>
+              <a:cs typeface="Pretendard SemiBold" panose="02000703000000020004" pitchFamily="2" charset="-127"/>
+            </a:endParaRPr>
+          </a:p>
+          <a:p>
+            <a:pPr algn="ctr"/>
+            <a:r>
+              <a:rPr lang="ko-KR" altLang="en-US" sz="2200" dirty="0">
+                <a:effectLst>
+                  <a:outerShdw blurRad="38100" dist="38100" dir="2700000" algn="tl">
+                    <a:srgbClr val="000000">
+                      <a:alpha val="43137"/>
+                    </a:srgbClr>
+                  </a:outerShdw>
+                </a:effectLst>
+                <a:latin typeface="Pretendard SemiBold" panose="02000703000000020004" pitchFamily="2" charset="-127"/>
+                <a:ea typeface="Pretendard SemiBold" panose="02000703000000020004" pitchFamily="2" charset="-127"/>
+                <a:cs typeface="Pretendard SemiBold" panose="02000703000000020004" pitchFamily="2" charset="-127"/>
+              </a:rPr>
+              <a:t>실험용 </a:t>
+            </a:r>
+            <a:r>
+              <a:rPr lang="ko-KR" altLang="en-US" sz="2200" dirty="0">
+                <a:solidFill>
+                  <a:srgbClr val="FF0000"/>
+                </a:solidFill>
+                <a:effectLst>
+                  <a:outerShdw blurRad="38100" dist="38100" dir="2700000" algn="tl">
+                    <a:srgbClr val="000000">
+                      <a:alpha val="43137"/>
+                    </a:srgbClr>
+                  </a:outerShdw>
+                </a:effectLst>
+                <a:latin typeface="Pretendard SemiBold" panose="02000703000000020004" pitchFamily="2" charset="-127"/>
+                <a:ea typeface="Pretendard SemiBold" panose="02000703000000020004" pitchFamily="2" charset="-127"/>
+                <a:cs typeface="Pretendard SemiBold" panose="02000703000000020004" pitchFamily="2" charset="-127"/>
+              </a:rPr>
+              <a:t>자동차를 이용</a:t>
+            </a:r>
+            <a:r>
+              <a:rPr lang="ko-KR" altLang="en-US" sz="2200" dirty="0">
+                <a:effectLst>
+                  <a:outerShdw blurRad="38100" dist="38100" dir="2700000" algn="tl">
+                    <a:srgbClr val="000000">
+                      <a:alpha val="43137"/>
+                    </a:srgbClr>
+                  </a:outerShdw>
+                </a:effectLst>
+                <a:latin typeface="Pretendard SemiBold" panose="02000703000000020004" pitchFamily="2" charset="-127"/>
+                <a:ea typeface="Pretendard SemiBold" panose="02000703000000020004" pitchFamily="2" charset="-127"/>
+                <a:cs typeface="Pretendard SemiBold" panose="02000703000000020004" pitchFamily="2" charset="-127"/>
+              </a:rPr>
+              <a:t>한 검증 실험 진행</a:t>
+            </a:r>
+          </a:p>
+        </p:txBody>
+      </p:sp>
+      <p:sp>
+        <p:nvSpPr>
+          <p:cNvPr id="7" name="직사각형 6">
+            <a:extLst>
+              <a:ext uri="{FF2B5EF4-FFF2-40B4-BE49-F238E27FC236}">
+                <a16:creationId xmlns:a16="http://schemas.microsoft.com/office/drawing/2014/main" id="{BA909AD7-B1C7-8639-7968-5245DDD48B8F}"/>
+              </a:ext>
+            </a:extLst>
+          </p:cNvPr>
+          <p:cNvSpPr/>
+          <p:nvPr/>
+        </p:nvSpPr>
+        <p:spPr>
+          <a:xfrm>
+            <a:off x="1593760" y="8476782"/>
+            <a:ext cx="3670479" cy="1161174"/>
+          </a:xfrm>
+          <a:prstGeom prst="rect">
+            <a:avLst/>
+          </a:prstGeom>
+          <a:solidFill>
+            <a:schemeClr val="accent6"/>
+          </a:solidFill>
+          <a:ln w="57150">
+            <a:solidFill>
+              <a:schemeClr val="bg2"/>
+            </a:solidFill>
+          </a:ln>
+          <a:effectLst>
+            <a:outerShdw blurRad="63500" sx="102000" sy="102000" algn="ctr" rotWithShape="0">
+              <a:prstClr val="black">
+                <a:alpha val="40000"/>
+              </a:prstClr>
+            </a:outerShdw>
+          </a:effectLst>
+        </p:spPr>
+        <p:style>
+          <a:lnRef idx="2">
+            <a:schemeClr val="accent1">
+              <a:shade val="15000"/>
+            </a:schemeClr>
+          </a:lnRef>
+          <a:fillRef idx="1">
+            <a:schemeClr val="accent1"/>
+          </a:fillRef>
+          <a:effectRef idx="0">
+            <a:schemeClr val="accent1"/>
+          </a:effectRef>
+          <a:fontRef idx="minor">
+            <a:schemeClr val="lt1"/>
+          </a:fontRef>
+        </p:style>
+        <p:txBody>
+          <a:bodyPr rtlCol="0" anchor="ctr"/>
+          <a:lstStyle/>
+          <a:p>
+            <a:pPr algn="ctr"/>
+            <a:r>
+              <a:rPr lang="ko-KR" altLang="en-US" sz="2800" dirty="0">
+                <a:effectLst>
+                  <a:outerShdw blurRad="38100" dist="38100" dir="2700000" algn="tl">
+                    <a:srgbClr val="000000">
+                      <a:alpha val="43137"/>
+                    </a:srgbClr>
+                  </a:outerShdw>
+                </a:effectLst>
+                <a:latin typeface="Pretendard SemiBold" panose="02000703000000020004" pitchFamily="2" charset="-127"/>
+                <a:ea typeface="Pretendard SemiBold" panose="02000703000000020004" pitchFamily="2" charset="-127"/>
+                <a:cs typeface="Pretendard SemiBold" panose="02000703000000020004" pitchFamily="2" charset="-127"/>
+              </a:rPr>
+              <a:t>결론 도출</a:t>
+            </a:r>
+          </a:p>
+        </p:txBody>
+      </p:sp>
+    </p:spTree>
+    <p:extLst>
+      <p:ext uri="{BB962C8B-B14F-4D97-AF65-F5344CB8AC3E}">
+        <p14:creationId xmlns:p14="http://schemas.microsoft.com/office/powerpoint/2010/main" val="3703591726"/>
+      </p:ext>
+    </p:extLst>
+  </p:cSld>
+  <p:clrMapOvr>
+    <a:masterClrMapping/>
+  </p:clrMapOvr>
+</p:sld>
+</file>
+
+<file path=ppt/slides/slide3.xml><?xml version="1.0" encoding="utf-8"?>
+<p:sld xmlns:a="http://schemas.openxmlformats.org/drawingml/2006/main" xmlns:r="http://schemas.openxmlformats.org/officeDocument/2006/relationships" xmlns:p="http://schemas.openxmlformats.org/presentationml/2006/main">
+  <p:cSld>
+    <p:spTree>
+      <p:nvGrpSpPr>
+        <p:cNvPr id="1" name=""/>
+        <p:cNvGrpSpPr/>
+        <p:nvPr/>
+      </p:nvGrpSpPr>
+      <p:grpSpPr>
+        <a:xfrm>
+          <a:off x="0" y="0"/>
+          <a:ext cx="0" cy="0"/>
+          <a:chOff x="0" y="0"/>
+          <a:chExt cx="0" cy="0"/>
+        </a:xfrm>
+      </p:grpSpPr>
+      <p:pic>
+        <p:nvPicPr>
+          <p:cNvPr id="40" name="그림 39">
+            <a:extLst>
+              <a:ext uri="{FF2B5EF4-FFF2-40B4-BE49-F238E27FC236}">
+                <a16:creationId xmlns:a16="http://schemas.microsoft.com/office/drawing/2014/main" id="{06B4E926-5ED2-249B-C658-7DF95CA3D224}"/>
+              </a:ext>
+            </a:extLst>
+          </p:cNvPr>
+          <p:cNvPicPr>
+            <a:picLocks noChangeAspect="1"/>
+          </p:cNvPicPr>
+          <p:nvPr/>
+        </p:nvPicPr>
+        <p:blipFill>
+          <a:blip r:embed="rId2"/>
+          <a:stretch>
+            <a:fillRect/>
+          </a:stretch>
+        </p:blipFill>
+        <p:spPr>
+          <a:xfrm>
+            <a:off x="371591" y="158080"/>
+            <a:ext cx="6114818" cy="9589839"/>
+          </a:xfrm>
+          <a:prstGeom prst="rect">
+            <a:avLst/>
+          </a:prstGeom>
+        </p:spPr>
+      </p:pic>
+    </p:spTree>
+    <p:extLst>
+      <p:ext uri="{BB962C8B-B14F-4D97-AF65-F5344CB8AC3E}">
+        <p14:creationId xmlns:p14="http://schemas.microsoft.com/office/powerpoint/2010/main" val="853449166"/>
+      </p:ext>
+    </p:extLst>
+  </p:cSld>
+  <p:clrMapOvr>
+    <a:masterClrMapping/>
+  </p:clrMapOvr>
+</p:sld>
+</file>
+
 <file path=ppt/theme/theme1.xml><?xml version="1.0" encoding="utf-8"?>
 <a:theme xmlns:a="http://schemas.openxmlformats.org/drawingml/2006/main" name="Office 테마">
   <a:themeElements>
